--- a/powerpoints/eindpresentatie heuristieken.pptx
+++ b/powerpoints/eindpresentatie heuristieken.pptx
@@ -20,6 +20,17 @@
     <p:sldId id="265" r:id="rId17"/>
     <p:sldId id="266" r:id="rId18"/>
     <p:sldId id="267" r:id="rId19"/>
+    <p:sldId id="268" r:id="rId20"/>
+    <p:sldId id="269" r:id="rId21"/>
+    <p:sldId id="270" r:id="rId22"/>
+    <p:sldId id="271" r:id="rId23"/>
+    <p:sldId id="272" r:id="rId24"/>
+    <p:sldId id="273" r:id="rId25"/>
+    <p:sldId id="274" r:id="rId26"/>
+    <p:sldId id="275" r:id="rId27"/>
+    <p:sldId id="276" r:id="rId28"/>
+    <p:sldId id="277" r:id="rId29"/>
+    <p:sldId id="278" r:id="rId30"/>
   </p:sldIdLst>
   <p:sldSz cx="13004800" cy="9753600"/>
   <p:notesSz cx="6858000" cy="9144000"/>
@@ -3996,13 +4007,13 @@
     </p:tnLst>
     <p:bldLst>
       <p:bldP build="whole" bldLvl="1" animBg="1" rev="0" advAuto="0" spid="121" grpId="1"/>
+      <p:bldP build="whole" bldLvl="1" animBg="1" rev="0" advAuto="0" spid="126" grpId="5"/>
+      <p:bldP build="whole" bldLvl="1" animBg="1" rev="0" advAuto="0" spid="124" grpId="8"/>
+      <p:bldP build="whole" bldLvl="1" animBg="1" rev="0" advAuto="0" spid="127" grpId="7"/>
+      <p:bldP build="whole" bldLvl="1" animBg="1" rev="0" advAuto="0" spid="125" grpId="4"/>
+      <p:bldP build="whole" bldLvl="1" animBg="1" rev="0" advAuto="0" spid="128" grpId="6"/>
       <p:bldP build="whole" bldLvl="1" animBg="1" rev="0" advAuto="0" spid="122" grpId="3"/>
-      <p:bldP build="whole" bldLvl="1" animBg="1" rev="0" advAuto="0" spid="125" grpId="4"/>
-      <p:bldP build="whole" bldLvl="1" animBg="1" rev="0" advAuto="0" spid="127" grpId="7"/>
-      <p:bldP build="whole" bldLvl="1" animBg="1" rev="0" advAuto="0" spid="128" grpId="6"/>
-      <p:bldP build="whole" bldLvl="1" animBg="1" rev="0" advAuto="0" spid="126" grpId="5"/>
       <p:bldP build="whole" bldLvl="1" animBg="1" rev="0" advAuto="0" spid="123" grpId="2"/>
-      <p:bldP build="whole" bldLvl="1" animBg="1" rev="0" advAuto="0" spid="124" grpId="8"/>
     </p:bldLst>
   </p:timing>
 </p:sld>
@@ -4035,7 +4046,7 @@
         </p:nvSpPr>
         <p:spPr>
           <a:xfrm>
-            <a:off x="720844" y="1094432"/>
+            <a:off x="3429490" y="1094432"/>
             <a:ext cx="6145819" cy="859136"/>
           </a:xfrm>
           <a:prstGeom prst="rect">
@@ -4045,8 +4056,8 @@
         <p:txBody>
           <a:bodyPr/>
           <a:lstStyle>
-            <a:lvl1pPr algn="l" defTabSz="385572">
-              <a:defRPr sz="5280">
+            <a:lvl1pPr algn="l" defTabSz="356362">
+              <a:defRPr b="1" sz="4880">
                 <a:latin typeface="Arial"/>
                 <a:ea typeface="Arial"/>
                 <a:cs typeface="Arial"/>
@@ -4070,8 +4081,8 @@
         </p:nvSpPr>
         <p:spPr>
           <a:xfrm>
-            <a:off x="713418" y="2111247"/>
-            <a:ext cx="11577965" cy="3924301"/>
+            <a:off x="1870798" y="2111247"/>
+            <a:ext cx="11577964" cy="3924301"/>
           </a:xfrm>
           <a:prstGeom prst="rect">
             <a:avLst/>
@@ -4234,7 +4245,7 @@
         </p:nvSpPr>
         <p:spPr>
           <a:xfrm>
-            <a:off x="720844" y="1094432"/>
+            <a:off x="4456024" y="1094432"/>
             <a:ext cx="6145819" cy="859136"/>
           </a:xfrm>
           <a:prstGeom prst="rect">
@@ -4245,7 +4256,7 @@
           <a:bodyPr/>
           <a:lstStyle>
             <a:lvl1pPr algn="l" defTabSz="385572">
-              <a:defRPr sz="5280">
+              <a:defRPr b="1" sz="5280">
                 <a:latin typeface="Arial"/>
                 <a:ea typeface="Arial"/>
                 <a:cs typeface="Arial"/>
@@ -4269,7 +4280,7 @@
         </p:nvSpPr>
         <p:spPr>
           <a:xfrm>
-            <a:off x="713418" y="2185455"/>
+            <a:off x="1186891" y="2185455"/>
             <a:ext cx="11577965" cy="647701"/>
           </a:xfrm>
           <a:prstGeom prst="rect">
@@ -4312,7 +4323,7 @@
         </p:nvSpPr>
         <p:spPr>
           <a:xfrm>
-            <a:off x="713418" y="2962766"/>
+            <a:off x="1186891" y="2962766"/>
             <a:ext cx="11577965" cy="2286001"/>
           </a:xfrm>
           <a:prstGeom prst="rect">
@@ -4386,7 +4397,7 @@
         </p:nvSpPr>
         <p:spPr>
           <a:xfrm>
-            <a:off x="713418" y="5378377"/>
+            <a:off x="1186891" y="5378377"/>
             <a:ext cx="11577965" cy="1739901"/>
           </a:xfrm>
           <a:prstGeom prst="rect">
@@ -4449,7 +4460,7 @@
         </p:nvSpPr>
         <p:spPr>
           <a:xfrm>
-            <a:off x="713418" y="7392788"/>
+            <a:off x="1186891" y="7392788"/>
             <a:ext cx="11577965" cy="1193801"/>
           </a:xfrm>
           <a:prstGeom prst="rect">
@@ -4661,9 +4672,9 @@
       </p:par>
     </p:tnLst>
     <p:bldLst>
-      <p:bldP build="whole" bldLvl="1" animBg="1" rev="0" advAuto="0" spid="170" grpId="2"/>
       <p:bldP build="whole" bldLvl="1" animBg="1" rev="0" advAuto="0" spid="171" grpId="3"/>
       <p:bldP build="whole" bldLvl="1" animBg="1" rev="0" advAuto="0" spid="169" grpId="1"/>
+      <p:bldP build="whole" bldLvl="1" animBg="1" rev="0" advAuto="0" spid="170" grpId="2"/>
     </p:bldLst>
   </p:timing>
 </p:sld>
@@ -4707,7 +4718,7 @@
           <a:bodyPr/>
           <a:lstStyle>
             <a:lvl1pPr algn="l" defTabSz="385572">
-              <a:defRPr sz="5280">
+              <a:defRPr b="1" sz="5280">
                 <a:latin typeface="Arial"/>
                 <a:ea typeface="Arial"/>
                 <a:cs typeface="Arial"/>
@@ -4731,8 +4742,8 @@
         </p:nvSpPr>
         <p:spPr>
           <a:xfrm>
-            <a:off x="713418" y="2261453"/>
-            <a:ext cx="11577965" cy="1739901"/>
+            <a:off x="5971623" y="171045"/>
+            <a:ext cx="2521661" cy="647701"/>
           </a:xfrm>
           <a:prstGeom prst="rect">
             <a:avLst/>
@@ -4750,42 +4761,2043 @@
           <a:bodyPr lIns="50800" tIns="50800" rIns="50800" bIns="50800" anchor="ctr">
             <a:spAutoFit/>
           </a:bodyPr>
-          <a:lstStyle/>
-          <a:p>
-            <a:pPr marL="228600" indent="-228600" algn="l">
+          <a:lstStyle>
+            <a:lvl1pPr marL="228600" indent="-228600" algn="l">
               <a:buSzPct val="46000"/>
               <a:buBlip>
                 <a:blip r:embed="rId2"/>
               </a:buBlip>
-            </a:pPr>
+            </a:lvl1pPr>
+          </a:lstStyle>
+          <a:p>
+            <a:pPr/>
             <a:r>
               <a:t> water</a:t>
-            </a:r>
-          </a:p>
-          <a:p>
-            <a:pPr marL="228600" indent="-228600" algn="l">
-              <a:buSzPct val="46000"/>
-              <a:buBlip>
-                <a:blip r:embed="rId2"/>
-              </a:buBlip>
-            </a:pPr>
-            <a:r>
-              <a:t> gelijke afstanden</a:t>
-            </a:r>
-          </a:p>
-          <a:p>
-            <a:pPr marL="228600" indent="-228600" algn="l">
-              <a:buSzPct val="46000"/>
-              <a:buBlip>
-                <a:blip r:embed="rId2"/>
-              </a:buBlip>
-            </a:pPr>
-            <a:r>
-              <a:t> huizen gecentreerd</a:t>
             </a:r>
           </a:p>
         </p:txBody>
       </p:sp>
+      <p:sp>
+        <p:nvSpPr>
+          <p:cNvPr id="175" name="Shape 175"/>
+          <p:cNvSpPr/>
+          <p:nvPr/>
+        </p:nvSpPr>
+        <p:spPr>
+          <a:xfrm>
+            <a:off x="8578508" y="4731082"/>
+            <a:ext cx="11577964" cy="647701"/>
+          </a:xfrm>
+          <a:prstGeom prst="rect">
+            <a:avLst/>
+          </a:prstGeom>
+          <a:ln w="12700">
+            <a:miter lim="400000"/>
+          </a:ln>
+          <a:extLst>
+            <a:ext uri="{C572A759-6A51-4108-AA02-DFA0A04FC94B}">
+              <ma14:wrappingTextBoxFlag xmlns:ma14="http://schemas.microsoft.com/office/mac/drawingml/2011/main" val="1"/>
+            </a:ext>
+          </a:extLst>
+        </p:spPr>
+        <p:txBody>
+          <a:bodyPr lIns="50800" tIns="50800" rIns="50800" bIns="50800" anchor="ctr">
+            <a:spAutoFit/>
+          </a:bodyPr>
+          <a:lstStyle>
+            <a:lvl1pPr marL="228600" indent="-228600" algn="l">
+              <a:buSzPct val="46000"/>
+              <a:buBlip>
+                <a:blip r:embed="rId2"/>
+              </a:buBlip>
+            </a:lvl1pPr>
+          </a:lstStyle>
+          <a:p>
+            <a:pPr/>
+            <a:r>
+              <a:t> gelijke afstanden</a:t>
+            </a:r>
+          </a:p>
+        </p:txBody>
+      </p:sp>
+      <p:sp>
+        <p:nvSpPr>
+          <p:cNvPr id="176" name="Shape 176"/>
+          <p:cNvSpPr/>
+          <p:nvPr/>
+        </p:nvSpPr>
+        <p:spPr>
+          <a:xfrm>
+            <a:off x="713418" y="4731082"/>
+            <a:ext cx="5084417" cy="647701"/>
+          </a:xfrm>
+          <a:prstGeom prst="rect">
+            <a:avLst/>
+          </a:prstGeom>
+          <a:ln w="12700">
+            <a:miter lim="400000"/>
+          </a:ln>
+          <a:extLst>
+            <a:ext uri="{C572A759-6A51-4108-AA02-DFA0A04FC94B}">
+              <ma14:wrappingTextBoxFlag xmlns:ma14="http://schemas.microsoft.com/office/mac/drawingml/2011/main" val="1"/>
+            </a:ext>
+          </a:extLst>
+        </p:spPr>
+        <p:txBody>
+          <a:bodyPr lIns="50800" tIns="50800" rIns="50800" bIns="50800" anchor="ctr">
+            <a:spAutoFit/>
+          </a:bodyPr>
+          <a:lstStyle>
+            <a:lvl1pPr marL="228600" indent="-228600" algn="l">
+              <a:buSzPct val="46000"/>
+              <a:buBlip>
+                <a:blip r:embed="rId2"/>
+              </a:buBlip>
+            </a:lvl1pPr>
+          </a:lstStyle>
+          <a:p>
+            <a:pPr/>
+            <a:r>
+              <a:t> huizen gecentreerd</a:t>
+            </a:r>
+          </a:p>
+        </p:txBody>
+      </p:sp>
+      <p:pic>
+        <p:nvPicPr>
+          <p:cNvPr id="177" name="11309430.0before.png"/>
+          <p:cNvPicPr>
+            <a:picLocks noChangeAspect="1"/>
+          </p:cNvPicPr>
+          <p:nvPr/>
+        </p:nvPicPr>
+        <p:blipFill>
+          <a:blip r:embed="rId3">
+            <a:extLst/>
+          </a:blip>
+          <a:stretch>
+            <a:fillRect/>
+          </a:stretch>
+        </p:blipFill>
+        <p:spPr>
+          <a:xfrm>
+            <a:off x="8748901" y="5634929"/>
+            <a:ext cx="3884707" cy="3471126"/>
+          </a:xfrm>
+          <a:prstGeom prst="rect">
+            <a:avLst/>
+          </a:prstGeom>
+          <a:ln w="12700">
+            <a:miter lim="400000"/>
+          </a:ln>
+        </p:spPr>
+      </p:pic>
+      <p:pic>
+        <p:nvPicPr>
+          <p:cNvPr id="178" name="7566480.0before.png"/>
+          <p:cNvPicPr>
+            <a:picLocks noChangeAspect="1"/>
+          </p:cNvPicPr>
+          <p:nvPr/>
+        </p:nvPicPr>
+        <p:blipFill>
+          <a:blip r:embed="rId4">
+            <a:extLst/>
+          </a:blip>
+          <a:stretch>
+            <a:fillRect/>
+          </a:stretch>
+        </p:blipFill>
+        <p:spPr>
+          <a:xfrm>
+            <a:off x="943059" y="5634929"/>
+            <a:ext cx="3884706" cy="3471126"/>
+          </a:xfrm>
+          <a:prstGeom prst="rect">
+            <a:avLst/>
+          </a:prstGeom>
+          <a:ln w="12700">
+            <a:miter lim="400000"/>
+          </a:ln>
+        </p:spPr>
+      </p:pic>
+      <p:pic>
+        <p:nvPicPr>
+          <p:cNvPr id="179" name="0233_May_10_20bestof10000_17010720.0.png"/>
+          <p:cNvPicPr>
+            <a:picLocks noChangeAspect="1"/>
+          </p:cNvPicPr>
+          <p:nvPr/>
+        </p:nvPicPr>
+        <p:blipFill>
+          <a:blip r:embed="rId5">
+            <a:extLst/>
+          </a:blip>
+          <a:stretch>
+            <a:fillRect/>
+          </a:stretch>
+        </p:blipFill>
+        <p:spPr>
+          <a:xfrm>
+            <a:off x="4942257" y="896720"/>
+            <a:ext cx="3884706" cy="3471126"/>
+          </a:xfrm>
+          <a:prstGeom prst="rect">
+            <a:avLst/>
+          </a:prstGeom>
+          <a:ln w="12700">
+            <a:miter lim="400000"/>
+          </a:ln>
+        </p:spPr>
+      </p:pic>
+    </p:spTree>
+  </p:cSld>
+  <p:clrMapOvr>
+    <a:masterClrMapping/>
+  </p:clrMapOvr>
+  <p:transition xmlns:p14="http://schemas.microsoft.com/office/powerpoint/2010/main" spd="med" advClick="1" p14:dur="1000"/>
+</p:sld>
+</file>
+
+<file path=ppt/slides/slide13.xml><?xml version="1.0" encoding="utf-8"?>
+<p:sld xmlns:a="http://schemas.openxmlformats.org/drawingml/2006/main" xmlns:r="http://schemas.openxmlformats.org/officeDocument/2006/relationships" xmlns:p="http://schemas.openxmlformats.org/presentationml/2006/main" showMasterSp="1" showMasterPhAnim="1">
+  <p:cSld>
+    <p:spTree>
+      <p:nvGrpSpPr>
+        <p:cNvPr id="1" name=""/>
+        <p:cNvGrpSpPr/>
+        <p:nvPr/>
+      </p:nvGrpSpPr>
+      <p:grpSpPr>
+        <a:xfrm>
+          <a:off x="0" y="0"/>
+          <a:ext cx="0" cy="0"/>
+          <a:chOff x="0" y="0"/>
+          <a:chExt cx="0" cy="0"/>
+        </a:xfrm>
+      </p:grpSpPr>
+      <p:sp>
+        <p:nvSpPr>
+          <p:cNvPr id="181" name="Shape 181"/>
+          <p:cNvSpPr/>
+          <p:nvPr>
+            <p:ph type="title"/>
+          </p:nvPr>
+        </p:nvSpPr>
+        <p:spPr>
+          <a:xfrm>
+            <a:off x="457803" y="1094432"/>
+            <a:ext cx="6145819" cy="859136"/>
+          </a:xfrm>
+          <a:prstGeom prst="rect">
+            <a:avLst/>
+          </a:prstGeom>
+        </p:spPr>
+        <p:txBody>
+          <a:bodyPr/>
+          <a:lstStyle>
+            <a:lvl1pPr algn="l" defTabSz="385572">
+              <a:defRPr b="1" sz="5280">
+                <a:latin typeface="Arial"/>
+                <a:ea typeface="Arial"/>
+                <a:cs typeface="Arial"/>
+                <a:sym typeface="Arial"/>
+              </a:defRPr>
+            </a:lvl1pPr>
+          </a:lstStyle>
+          <a:p>
+            <a:pPr/>
+            <a:r>
+              <a:t>data/resultaten</a:t>
+            </a:r>
+          </a:p>
+        </p:txBody>
+      </p:sp>
+      <p:sp>
+        <p:nvSpPr>
+          <p:cNvPr id="182" name="Shape 182"/>
+          <p:cNvSpPr/>
+          <p:nvPr/>
+        </p:nvSpPr>
+        <p:spPr>
+          <a:xfrm>
+            <a:off x="5535245" y="1094432"/>
+            <a:ext cx="7169760" cy="859136"/>
+          </a:xfrm>
+          <a:prstGeom prst="rect">
+            <a:avLst/>
+          </a:prstGeom>
+          <a:ln w="25400">
+            <a:solidFill>
+              <a:srgbClr val="000000"/>
+            </a:solidFill>
+            <a:miter lim="400000"/>
+          </a:ln>
+          <a:extLst>
+            <a:ext uri="{C572A759-6A51-4108-AA02-DFA0A04FC94B}">
+              <ma14:wrappingTextBoxFlag xmlns:ma14="http://schemas.microsoft.com/office/mac/drawingml/2011/main" val="1"/>
+            </a:ext>
+          </a:extLst>
+        </p:spPr>
+        <p:txBody>
+          <a:bodyPr lIns="50800" tIns="50800" rIns="50800" bIns="50800" anchor="ctr">
+            <a:normAutofit fontScale="100000" lnSpcReduction="0"/>
+          </a:bodyPr>
+          <a:lstStyle>
+            <a:lvl1pPr algn="l" defTabSz="373887">
+              <a:defRPr sz="5119">
+                <a:solidFill>
+                  <a:srgbClr val="A6AAA9"/>
+                </a:solidFill>
+                <a:latin typeface="Arial"/>
+                <a:ea typeface="Arial"/>
+                <a:cs typeface="Arial"/>
+                <a:sym typeface="Arial"/>
+              </a:defRPr>
+            </a:lvl1pPr>
+          </a:lstStyle>
+          <a:p>
+            <a:pPr/>
+            <a:r>
+              <a:t>(semi) random sampling</a:t>
+            </a:r>
+          </a:p>
+        </p:txBody>
+      </p:sp>
+      <p:sp>
+        <p:nvSpPr>
+          <p:cNvPr id="183" name="Shape 183"/>
+          <p:cNvSpPr/>
+          <p:nvPr/>
+        </p:nvSpPr>
+        <p:spPr>
+          <a:xfrm>
+            <a:off x="485449" y="2552130"/>
+            <a:ext cx="11577965" cy="2832101"/>
+          </a:xfrm>
+          <a:prstGeom prst="rect">
+            <a:avLst/>
+          </a:prstGeom>
+          <a:ln w="12700">
+            <a:miter lim="400000"/>
+          </a:ln>
+          <a:extLst>
+            <a:ext uri="{C572A759-6A51-4108-AA02-DFA0A04FC94B}">
+              <ma14:wrappingTextBoxFlag xmlns:ma14="http://schemas.microsoft.com/office/mac/drawingml/2011/main" val="1"/>
+            </a:ext>
+          </a:extLst>
+        </p:spPr>
+        <p:txBody>
+          <a:bodyPr lIns="50800" tIns="50800" rIns="50800" bIns="50800" anchor="ctr">
+            <a:spAutoFit/>
+          </a:bodyPr>
+          <a:lstStyle/>
+          <a:p>
+            <a:pPr marL="228600" indent="-228600" algn="l">
+              <a:buSzPct val="46000"/>
+              <a:buBlip>
+                <a:blip r:embed="rId2"/>
+              </a:buBlip>
+            </a:pPr>
+            <a:r>
+              <a:t> 100.000 runs</a:t>
+            </a:r>
+          </a:p>
+          <a:p>
+            <a:pPr marL="228600" indent="-228600" algn="l">
+              <a:buSzPct val="46000"/>
+              <a:buBlip>
+                <a:blip r:embed="rId2"/>
+              </a:buBlip>
+            </a:pPr>
+            <a:r>
+              <a:t> sterke plattegronden</a:t>
+            </a:r>
+          </a:p>
+          <a:p>
+            <a:pPr marL="228600" indent="-228600" algn="l">
+              <a:buSzPct val="46000"/>
+              <a:buBlip>
+                <a:blip r:embed="rId2"/>
+              </a:buBlip>
+            </a:pPr>
+            <a:r>
+              <a:t> normale verdeling</a:t>
+            </a:r>
+          </a:p>
+          <a:p>
+            <a:pPr marL="228600" indent="-228600" algn="l">
+              <a:buSzPct val="46000"/>
+              <a:buBlip>
+                <a:blip r:embed="rId2"/>
+              </a:buBlip>
+            </a:pPr>
+            <a:r>
+              <a:t> maar niet symmetrisch</a:t>
+            </a:r>
+          </a:p>
+        </p:txBody>
+      </p:sp>
+      <p:pic>
+        <p:nvPicPr>
+          <p:cNvPr id="184" name="Screen Shot 2016-05-24 at 22.40.48.png"/>
+          <p:cNvPicPr>
+            <a:picLocks noChangeAspect="1"/>
+          </p:cNvPicPr>
+          <p:nvPr/>
+        </p:nvPicPr>
+        <p:blipFill>
+          <a:blip r:embed="rId3">
+            <a:extLst/>
+          </a:blip>
+          <a:stretch>
+            <a:fillRect/>
+          </a:stretch>
+        </p:blipFill>
+        <p:spPr>
+          <a:xfrm>
+            <a:off x="5040595" y="5081219"/>
+            <a:ext cx="7521609" cy="4107290"/>
+          </a:xfrm>
+          <a:prstGeom prst="rect">
+            <a:avLst/>
+          </a:prstGeom>
+          <a:ln w="12700">
+            <a:miter lim="400000"/>
+          </a:ln>
+        </p:spPr>
+      </p:pic>
+    </p:spTree>
+  </p:cSld>
+  <p:clrMapOvr>
+    <a:masterClrMapping/>
+  </p:clrMapOvr>
+  <p:transition xmlns:p14="http://schemas.microsoft.com/office/powerpoint/2010/main" spd="med" advClick="1" p14:dur="1000"/>
+  <p:timing>
+    <p:tnLst>
+      <p:par>
+        <p:cTn id="1" nodeType="tmRoot" restart="never" dur="indefinite" fill="hold">
+          <p:childTnLst>
+            <p:seq concurrent="1" prevAc="none" nextAc="seek">
+              <p:cTn id="2" nodeType="mainSeq" dur="indefinite" fill="hold">
+                <p:childTnLst>
+                  <p:par>
+                    <p:cTn id="3" fill="hold">
+                      <p:stCondLst>
+                        <p:cond delay="indefinite"/>
+                      </p:stCondLst>
+                      <p:childTnLst>
+                        <p:par>
+                          <p:cTn id="4" fill="hold">
+                            <p:stCondLst>
+                              <p:cond delay="0"/>
+                            </p:stCondLst>
+                            <p:childTnLst>
+                              <p:par>
+                                <p:cTn id="5" presetClass="entr" nodeType="clickEffect" presetSubtype="0" presetID="1" grpId="1" fill="hold">
+                                  <p:stCondLst>
+                                    <p:cond delay="0"/>
+                                  </p:stCondLst>
+                                  <p:iterate type="el" backwards="0">
+                                    <p:tmAbs val="0"/>
+                                  </p:iterate>
+                                  <p:childTnLst>
+                                    <p:set>
+                                      <p:cBhvr>
+                                        <p:cTn id="6" fill="hold"/>
+                                        <p:tgtEl>
+                                          <p:spTgt spid="184"/>
+                                        </p:tgtEl>
+                                        <p:attrNameLst>
+                                          <p:attrName>style.visibility</p:attrName>
+                                        </p:attrNameLst>
+                                      </p:cBhvr>
+                                      <p:to>
+                                        <p:strVal val="visible"/>
+                                      </p:to>
+                                    </p:set>
+                                  </p:childTnLst>
+                                </p:cTn>
+                              </p:par>
+                            </p:childTnLst>
+                          </p:cTn>
+                        </p:par>
+                      </p:childTnLst>
+                    </p:cTn>
+                  </p:par>
+                </p:childTnLst>
+              </p:cTn>
+              <p:prevCondLst>
+                <p:cond evt="onPrev">
+                  <p:tgtEl>
+                    <p:sldTgt/>
+                  </p:tgtEl>
+                </p:cond>
+              </p:prevCondLst>
+              <p:nextCondLst>
+                <p:cond evt="onNext">
+                  <p:tgtEl>
+                    <p:sldTgt/>
+                  </p:tgtEl>
+                </p:cond>
+              </p:nextCondLst>
+            </p:seq>
+          </p:childTnLst>
+        </p:cTn>
+      </p:par>
+    </p:tnLst>
+    <p:bldLst>
+      <p:bldP build="whole" bldLvl="1" animBg="1" rev="0" advAuto="0" spid="184" grpId="1"/>
+    </p:bldLst>
+  </p:timing>
+</p:sld>
+</file>
+
+<file path=ppt/slides/slide14.xml><?xml version="1.0" encoding="utf-8"?>
+<p:sld xmlns:a="http://schemas.openxmlformats.org/drawingml/2006/main" xmlns:r="http://schemas.openxmlformats.org/officeDocument/2006/relationships" xmlns:p="http://schemas.openxmlformats.org/presentationml/2006/main" showMasterSp="1" showMasterPhAnim="1">
+  <p:cSld>
+    <p:spTree>
+      <p:nvGrpSpPr>
+        <p:cNvPr id="1" name=""/>
+        <p:cNvGrpSpPr/>
+        <p:nvPr/>
+      </p:nvGrpSpPr>
+      <p:grpSpPr>
+        <a:xfrm>
+          <a:off x="0" y="0"/>
+          <a:ext cx="0" cy="0"/>
+          <a:chOff x="0" y="0"/>
+          <a:chExt cx="0" cy="0"/>
+        </a:xfrm>
+      </p:grpSpPr>
+      <p:sp>
+        <p:nvSpPr>
+          <p:cNvPr id="186" name="Shape 186"/>
+          <p:cNvSpPr/>
+          <p:nvPr>
+            <p:ph type="title"/>
+          </p:nvPr>
+        </p:nvSpPr>
+        <p:spPr>
+          <a:xfrm>
+            <a:off x="457803" y="1094432"/>
+            <a:ext cx="6145819" cy="859136"/>
+          </a:xfrm>
+          <a:prstGeom prst="rect">
+            <a:avLst/>
+          </a:prstGeom>
+        </p:spPr>
+        <p:txBody>
+          <a:bodyPr/>
+          <a:lstStyle>
+            <a:lvl1pPr algn="l" defTabSz="385572">
+              <a:defRPr b="1" sz="5280">
+                <a:latin typeface="Arial"/>
+                <a:ea typeface="Arial"/>
+                <a:cs typeface="Arial"/>
+                <a:sym typeface="Arial"/>
+              </a:defRPr>
+            </a:lvl1pPr>
+          </a:lstStyle>
+          <a:p>
+            <a:pPr/>
+            <a:r>
+              <a:t>data/resultaten</a:t>
+            </a:r>
+          </a:p>
+        </p:txBody>
+      </p:sp>
+      <p:sp>
+        <p:nvSpPr>
+          <p:cNvPr id="187" name="Shape 187"/>
+          <p:cNvSpPr/>
+          <p:nvPr/>
+        </p:nvSpPr>
+        <p:spPr>
+          <a:xfrm>
+            <a:off x="5535245" y="1094432"/>
+            <a:ext cx="7169760" cy="859136"/>
+          </a:xfrm>
+          <a:prstGeom prst="rect">
+            <a:avLst/>
+          </a:prstGeom>
+          <a:ln w="25400">
+            <a:solidFill>
+              <a:srgbClr val="000000"/>
+            </a:solidFill>
+            <a:miter lim="400000"/>
+          </a:ln>
+          <a:extLst>
+            <a:ext uri="{C572A759-6A51-4108-AA02-DFA0A04FC94B}">
+              <ma14:wrappingTextBoxFlag xmlns:ma14="http://schemas.microsoft.com/office/mac/drawingml/2011/main" val="1"/>
+            </a:ext>
+          </a:extLst>
+        </p:spPr>
+        <p:txBody>
+          <a:bodyPr lIns="50800" tIns="50800" rIns="50800" bIns="50800" anchor="ctr">
+            <a:normAutofit fontScale="100000" lnSpcReduction="0"/>
+          </a:bodyPr>
+          <a:lstStyle>
+            <a:lvl1pPr algn="l" defTabSz="373887">
+              <a:defRPr sz="5119">
+                <a:solidFill>
+                  <a:srgbClr val="A6AAA9"/>
+                </a:solidFill>
+                <a:latin typeface="Arial"/>
+                <a:ea typeface="Arial"/>
+                <a:cs typeface="Arial"/>
+                <a:sym typeface="Arial"/>
+              </a:defRPr>
+            </a:lvl1pPr>
+          </a:lstStyle>
+          <a:p>
+            <a:pPr/>
+            <a:r>
+              <a:t>(semi) random sampling</a:t>
+            </a:r>
+          </a:p>
+        </p:txBody>
+      </p:sp>
+      <p:pic>
+        <p:nvPicPr>
+          <p:cNvPr id="188" name="Screen Shot 2016-05-24 at 21.42.08.png"/>
+          <p:cNvPicPr>
+            <a:picLocks noChangeAspect="1"/>
+          </p:cNvPicPr>
+          <p:nvPr/>
+        </p:nvPicPr>
+        <p:blipFill>
+          <a:blip r:embed="rId2">
+            <a:extLst/>
+          </a:blip>
+          <a:stretch>
+            <a:fillRect/>
+          </a:stretch>
+        </p:blipFill>
+        <p:spPr>
+          <a:xfrm>
+            <a:off x="10136262" y="4796954"/>
+            <a:ext cx="2285958" cy="1912292"/>
+          </a:xfrm>
+          <a:prstGeom prst="rect">
+            <a:avLst/>
+          </a:prstGeom>
+          <a:ln w="12700">
+            <a:miter lim="400000"/>
+          </a:ln>
+        </p:spPr>
+      </p:pic>
+      <p:sp>
+        <p:nvSpPr>
+          <p:cNvPr id="189" name="Shape 189"/>
+          <p:cNvSpPr/>
+          <p:nvPr/>
+        </p:nvSpPr>
+        <p:spPr>
+          <a:xfrm>
+            <a:off x="485449" y="3098230"/>
+            <a:ext cx="11577965" cy="1739901"/>
+          </a:xfrm>
+          <a:prstGeom prst="rect">
+            <a:avLst/>
+          </a:prstGeom>
+          <a:ln w="12700">
+            <a:miter lim="400000"/>
+          </a:ln>
+          <a:extLst>
+            <a:ext uri="{C572A759-6A51-4108-AA02-DFA0A04FC94B}">
+              <ma14:wrappingTextBoxFlag xmlns:ma14="http://schemas.microsoft.com/office/mac/drawingml/2011/main" val="1"/>
+            </a:ext>
+          </a:extLst>
+        </p:spPr>
+        <p:txBody>
+          <a:bodyPr lIns="50800" tIns="50800" rIns="50800" bIns="50800" anchor="ctr">
+            <a:spAutoFit/>
+          </a:bodyPr>
+          <a:lstStyle/>
+          <a:p>
+            <a:pPr marL="228600" indent="-228600" algn="l">
+              <a:buSzPct val="46000"/>
+              <a:buBlip>
+                <a:blip r:embed="rId3"/>
+              </a:buBlip>
+            </a:pPr>
+            <a:r>
+              <a:t> spreiding free space groter bij de beste startmappen</a:t>
+            </a:r>
+          </a:p>
+          <a:p>
+            <a:pPr marL="228600" indent="-228600" algn="l">
+              <a:buSzPct val="46000"/>
+              <a:buBlip>
+                <a:blip r:embed="rId3"/>
+              </a:buBlip>
+            </a:pPr>
+            <a:r>
+              <a:t> meer huizen = meer waarde</a:t>
+            </a:r>
+          </a:p>
+        </p:txBody>
+      </p:sp>
+      <p:pic>
+        <p:nvPicPr>
+          <p:cNvPr id="190" name="Screen Shot 2016-05-24 at 21.58.06.png"/>
+          <p:cNvPicPr>
+            <a:picLocks noChangeAspect="1"/>
+          </p:cNvPicPr>
+          <p:nvPr/>
+        </p:nvPicPr>
+        <p:blipFill>
+          <a:blip r:embed="rId4">
+            <a:extLst/>
+          </a:blip>
+          <a:stretch>
+            <a:fillRect/>
+          </a:stretch>
+        </p:blipFill>
+        <p:spPr>
+          <a:xfrm>
+            <a:off x="380312" y="6941918"/>
+            <a:ext cx="12042768" cy="2444773"/>
+          </a:xfrm>
+          <a:prstGeom prst="rect">
+            <a:avLst/>
+          </a:prstGeom>
+          <a:ln w="12700">
+            <a:miter lim="400000"/>
+          </a:ln>
+        </p:spPr>
+      </p:pic>
+    </p:spTree>
+  </p:cSld>
+  <p:clrMapOvr>
+    <a:masterClrMapping/>
+  </p:clrMapOvr>
+  <p:transition xmlns:p14="http://schemas.microsoft.com/office/powerpoint/2010/main" spd="med" advClick="1" p14:dur="1000"/>
+  <p:timing>
+    <p:tnLst>
+      <p:par>
+        <p:cTn id="1" nodeType="tmRoot" restart="never" dur="indefinite" fill="hold">
+          <p:childTnLst>
+            <p:seq concurrent="1" prevAc="none" nextAc="seek">
+              <p:cTn id="2" nodeType="mainSeq" dur="indefinite" fill="hold">
+                <p:childTnLst>
+                  <p:par>
+                    <p:cTn id="3" fill="hold">
+                      <p:stCondLst>
+                        <p:cond delay="indefinite"/>
+                      </p:stCondLst>
+                      <p:childTnLst>
+                        <p:par>
+                          <p:cTn id="4" fill="hold">
+                            <p:stCondLst>
+                              <p:cond delay="0"/>
+                            </p:stCondLst>
+                            <p:childTnLst>
+                              <p:par>
+                                <p:cTn id="5" presetClass="entr" nodeType="clickEffect" presetSubtype="0" presetID="1" grpId="1" fill="hold">
+                                  <p:stCondLst>
+                                    <p:cond delay="0"/>
+                                  </p:stCondLst>
+                                  <p:iterate type="el" backwards="0">
+                                    <p:tmAbs val="0"/>
+                                  </p:iterate>
+                                  <p:childTnLst>
+                                    <p:set>
+                                      <p:cBhvr>
+                                        <p:cTn id="6" fill="hold"/>
+                                        <p:tgtEl>
+                                          <p:spTgt spid="188"/>
+                                        </p:tgtEl>
+                                        <p:attrNameLst>
+                                          <p:attrName>style.visibility</p:attrName>
+                                        </p:attrNameLst>
+                                      </p:cBhvr>
+                                      <p:to>
+                                        <p:strVal val="visible"/>
+                                      </p:to>
+                                    </p:set>
+                                  </p:childTnLst>
+                                </p:cTn>
+                              </p:par>
+                            </p:childTnLst>
+                          </p:cTn>
+                        </p:par>
+                      </p:childTnLst>
+                    </p:cTn>
+                  </p:par>
+                  <p:par>
+                    <p:cTn id="7" fill="hold">
+                      <p:stCondLst>
+                        <p:cond delay="indefinite"/>
+                      </p:stCondLst>
+                      <p:childTnLst>
+                        <p:par>
+                          <p:cTn id="8" fill="hold">
+                            <p:stCondLst>
+                              <p:cond delay="0"/>
+                            </p:stCondLst>
+                            <p:childTnLst>
+                              <p:par>
+                                <p:cTn id="9" presetClass="entr" nodeType="clickEffect" presetSubtype="0" presetID="1" grpId="2" fill="hold">
+                                  <p:stCondLst>
+                                    <p:cond delay="0"/>
+                                  </p:stCondLst>
+                                  <p:iterate type="el" backwards="0">
+                                    <p:tmAbs val="0"/>
+                                  </p:iterate>
+                                  <p:childTnLst>
+                                    <p:set>
+                                      <p:cBhvr>
+                                        <p:cTn id="10" fill="hold"/>
+                                        <p:tgtEl>
+                                          <p:spTgt spid="190"/>
+                                        </p:tgtEl>
+                                        <p:attrNameLst>
+                                          <p:attrName>style.visibility</p:attrName>
+                                        </p:attrNameLst>
+                                      </p:cBhvr>
+                                      <p:to>
+                                        <p:strVal val="visible"/>
+                                      </p:to>
+                                    </p:set>
+                                  </p:childTnLst>
+                                </p:cTn>
+                              </p:par>
+                            </p:childTnLst>
+                          </p:cTn>
+                        </p:par>
+                      </p:childTnLst>
+                    </p:cTn>
+                  </p:par>
+                </p:childTnLst>
+              </p:cTn>
+              <p:prevCondLst>
+                <p:cond evt="onPrev">
+                  <p:tgtEl>
+                    <p:sldTgt/>
+                  </p:tgtEl>
+                </p:cond>
+              </p:prevCondLst>
+              <p:nextCondLst>
+                <p:cond evt="onNext">
+                  <p:tgtEl>
+                    <p:sldTgt/>
+                  </p:tgtEl>
+                </p:cond>
+              </p:nextCondLst>
+            </p:seq>
+          </p:childTnLst>
+        </p:cTn>
+      </p:par>
+    </p:tnLst>
+    <p:bldLst>
+      <p:bldP build="whole" bldLvl="1" animBg="1" rev="0" advAuto="0" spid="190" grpId="2"/>
+      <p:bldP build="whole" bldLvl="1" animBg="1" rev="0" advAuto="0" spid="188" grpId="1"/>
+    </p:bldLst>
+  </p:timing>
+</p:sld>
+</file>
+
+<file path=ppt/slides/slide15.xml><?xml version="1.0" encoding="utf-8"?>
+<p:sld xmlns:a="http://schemas.openxmlformats.org/drawingml/2006/main" xmlns:r="http://schemas.openxmlformats.org/officeDocument/2006/relationships" xmlns:p="http://schemas.openxmlformats.org/presentationml/2006/main" showMasterSp="1" showMasterPhAnim="1">
+  <p:cSld>
+    <p:spTree>
+      <p:nvGrpSpPr>
+        <p:cNvPr id="1" name=""/>
+        <p:cNvGrpSpPr/>
+        <p:nvPr/>
+      </p:nvGrpSpPr>
+      <p:grpSpPr>
+        <a:xfrm>
+          <a:off x="0" y="0"/>
+          <a:ext cx="0" cy="0"/>
+          <a:chOff x="0" y="0"/>
+          <a:chExt cx="0" cy="0"/>
+        </a:xfrm>
+      </p:grpSpPr>
+      <p:sp>
+        <p:nvSpPr>
+          <p:cNvPr id="192" name="Shape 192"/>
+          <p:cNvSpPr/>
+          <p:nvPr>
+            <p:ph type="title"/>
+          </p:nvPr>
+        </p:nvSpPr>
+        <p:spPr>
+          <a:xfrm>
+            <a:off x="457803" y="1094432"/>
+            <a:ext cx="6145819" cy="859136"/>
+          </a:xfrm>
+          <a:prstGeom prst="rect">
+            <a:avLst/>
+          </a:prstGeom>
+        </p:spPr>
+        <p:txBody>
+          <a:bodyPr/>
+          <a:lstStyle>
+            <a:lvl1pPr algn="l" defTabSz="385572">
+              <a:defRPr b="1" sz="5280">
+                <a:latin typeface="Arial"/>
+                <a:ea typeface="Arial"/>
+                <a:cs typeface="Arial"/>
+                <a:sym typeface="Arial"/>
+              </a:defRPr>
+            </a:lvl1pPr>
+          </a:lstStyle>
+          <a:p>
+            <a:pPr/>
+            <a:r>
+              <a:t>data/resultaten</a:t>
+            </a:r>
+          </a:p>
+        </p:txBody>
+      </p:sp>
+      <p:sp>
+        <p:nvSpPr>
+          <p:cNvPr id="193" name="Shape 193"/>
+          <p:cNvSpPr/>
+          <p:nvPr/>
+        </p:nvSpPr>
+        <p:spPr>
+          <a:xfrm>
+            <a:off x="5535245" y="1094432"/>
+            <a:ext cx="7169760" cy="859136"/>
+          </a:xfrm>
+          <a:prstGeom prst="rect">
+            <a:avLst/>
+          </a:prstGeom>
+          <a:ln w="25400">
+            <a:solidFill>
+              <a:srgbClr val="000000"/>
+            </a:solidFill>
+            <a:miter lim="400000"/>
+          </a:ln>
+          <a:extLst>
+            <a:ext uri="{C572A759-6A51-4108-AA02-DFA0A04FC94B}">
+              <ma14:wrappingTextBoxFlag xmlns:ma14="http://schemas.microsoft.com/office/mac/drawingml/2011/main" val="1"/>
+            </a:ext>
+          </a:extLst>
+        </p:spPr>
+        <p:txBody>
+          <a:bodyPr lIns="50800" tIns="50800" rIns="50800" bIns="50800" anchor="ctr">
+            <a:normAutofit fontScale="100000" lnSpcReduction="0"/>
+          </a:bodyPr>
+          <a:lstStyle>
+            <a:lvl1pPr defTabSz="373887">
+              <a:defRPr sz="5119">
+                <a:solidFill>
+                  <a:srgbClr val="A6AAA9"/>
+                </a:solidFill>
+                <a:latin typeface="Arial"/>
+                <a:ea typeface="Arial"/>
+                <a:cs typeface="Arial"/>
+                <a:sym typeface="Arial"/>
+              </a:defRPr>
+            </a:lvl1pPr>
+          </a:lstStyle>
+          <a:p>
+            <a:pPr/>
+            <a:r>
+              <a:t>hill climber</a:t>
+            </a:r>
+          </a:p>
+        </p:txBody>
+      </p:sp>
+      <p:sp>
+        <p:nvSpPr>
+          <p:cNvPr id="194" name="Shape 194"/>
+          <p:cNvSpPr/>
+          <p:nvPr/>
+        </p:nvSpPr>
+        <p:spPr>
+          <a:xfrm>
+            <a:off x="485449" y="2406797"/>
+            <a:ext cx="11577965" cy="1193801"/>
+          </a:xfrm>
+          <a:prstGeom prst="rect">
+            <a:avLst/>
+          </a:prstGeom>
+          <a:ln w="12700">
+            <a:miter lim="400000"/>
+          </a:ln>
+          <a:extLst>
+            <a:ext uri="{C572A759-6A51-4108-AA02-DFA0A04FC94B}">
+              <ma14:wrappingTextBoxFlag xmlns:ma14="http://schemas.microsoft.com/office/mac/drawingml/2011/main" val="1"/>
+            </a:ext>
+          </a:extLst>
+        </p:spPr>
+        <p:txBody>
+          <a:bodyPr lIns="50800" tIns="50800" rIns="50800" bIns="50800" anchor="ctr">
+            <a:spAutoFit/>
+          </a:bodyPr>
+          <a:lstStyle/>
+          <a:p>
+            <a:pPr marL="228600" indent="-228600" algn="l">
+              <a:buSzPct val="46000"/>
+              <a:buBlip>
+                <a:blip r:embed="rId2"/>
+              </a:buBlip>
+            </a:pPr>
+            <a:r>
+              <a:t> 100.000 runs</a:t>
+            </a:r>
+          </a:p>
+          <a:p>
+            <a:pPr marL="228600" indent="-228600" algn="l">
+              <a:buSzPct val="46000"/>
+              <a:buBlip>
+                <a:blip r:embed="rId2"/>
+              </a:buBlip>
+            </a:pPr>
+            <a:r>
+              <a:t> startmap: random &amp; scenario’s</a:t>
+            </a:r>
+          </a:p>
+        </p:txBody>
+      </p:sp>
+      <p:pic>
+        <p:nvPicPr>
+          <p:cNvPr id="195" name="Screen Shot 2016-05-24 at 22.05.13.png"/>
+          <p:cNvPicPr>
+            <a:picLocks noChangeAspect="1"/>
+          </p:cNvPicPr>
+          <p:nvPr/>
+        </p:nvPicPr>
+        <p:blipFill>
+          <a:blip r:embed="rId3">
+            <a:extLst/>
+          </a:blip>
+          <a:stretch>
+            <a:fillRect/>
+          </a:stretch>
+        </p:blipFill>
+        <p:spPr>
+          <a:xfrm>
+            <a:off x="7160647" y="7268001"/>
+            <a:ext cx="5356995" cy="1929113"/>
+          </a:xfrm>
+          <a:prstGeom prst="rect">
+            <a:avLst/>
+          </a:prstGeom>
+          <a:ln w="12700">
+            <a:miter lim="400000"/>
+          </a:ln>
+        </p:spPr>
+      </p:pic>
+      <p:sp>
+        <p:nvSpPr>
+          <p:cNvPr id="196" name="Shape 196"/>
+          <p:cNvSpPr/>
+          <p:nvPr/>
+        </p:nvSpPr>
+        <p:spPr>
+          <a:xfrm>
+            <a:off x="485449" y="3671182"/>
+            <a:ext cx="11577965" cy="2832101"/>
+          </a:xfrm>
+          <a:prstGeom prst="rect">
+            <a:avLst/>
+          </a:prstGeom>
+          <a:ln w="12700">
+            <a:miter lim="400000"/>
+          </a:ln>
+          <a:extLst>
+            <a:ext uri="{C572A759-6A51-4108-AA02-DFA0A04FC94B}">
+              <ma14:wrappingTextBoxFlag xmlns:ma14="http://schemas.microsoft.com/office/mac/drawingml/2011/main" val="1"/>
+            </a:ext>
+          </a:extLst>
+        </p:spPr>
+        <p:txBody>
+          <a:bodyPr lIns="50800" tIns="50800" rIns="50800" bIns="50800" anchor="ctr">
+            <a:spAutoFit/>
+          </a:bodyPr>
+          <a:lstStyle/>
+          <a:p>
+            <a:pPr marL="228600" indent="-228600" algn="l">
+              <a:buSzPct val="46000"/>
+              <a:buBlip>
+                <a:blip r:embed="rId2"/>
+              </a:buBlip>
+            </a:pPr>
+            <a:r>
+              <a:t> random sampling:</a:t>
+            </a:r>
+          </a:p>
+          <a:p>
+            <a:pPr lvl="2" marL="685800" indent="-228600" algn="l">
+              <a:buSzPct val="46000"/>
+              <a:buBlip>
+                <a:blip r:embed="rId2"/>
+              </a:buBlip>
+            </a:pPr>
+            <a:r>
+              <a:t> effect en spreiding het grootste bij 20 huizen</a:t>
+            </a:r>
+          </a:p>
+          <a:p>
+            <a:pPr lvl="2" marL="685800" indent="-228600" algn="l">
+              <a:buSzPct val="46000"/>
+              <a:buBlip>
+                <a:blip r:embed="rId2"/>
+              </a:buBlip>
+            </a:pPr>
+            <a:r>
+              <a:t> spreiding verschilt niet significant tussen slechtste en beste mappen</a:t>
+            </a:r>
+          </a:p>
+          <a:p>
+            <a:pPr lvl="2" marL="685800" indent="-228600" algn="l">
+              <a:buSzPct val="46000"/>
+              <a:buBlip>
+                <a:blip r:embed="rId2"/>
+              </a:buBlip>
+            </a:pPr>
+            <a:r>
+              <a:t> verbetering en spreiding nemen af bij meer huizen</a:t>
+            </a:r>
+          </a:p>
+        </p:txBody>
+      </p:sp>
+    </p:spTree>
+  </p:cSld>
+  <p:clrMapOvr>
+    <a:masterClrMapping/>
+  </p:clrMapOvr>
+  <p:transition xmlns:p14="http://schemas.microsoft.com/office/powerpoint/2010/main" spd="med" advClick="1" p14:dur="1000"/>
+</p:sld>
+</file>
+
+<file path=ppt/slides/slide16.xml><?xml version="1.0" encoding="utf-8"?>
+<p:sld xmlns:a="http://schemas.openxmlformats.org/drawingml/2006/main" xmlns:r="http://schemas.openxmlformats.org/officeDocument/2006/relationships" xmlns:p="http://schemas.openxmlformats.org/presentationml/2006/main" showMasterSp="1" showMasterPhAnim="1">
+  <p:cSld>
+    <p:spTree>
+      <p:nvGrpSpPr>
+        <p:cNvPr id="1" name=""/>
+        <p:cNvGrpSpPr/>
+        <p:nvPr/>
+      </p:nvGrpSpPr>
+      <p:grpSpPr>
+        <a:xfrm>
+          <a:off x="0" y="0"/>
+          <a:ext cx="0" cy="0"/>
+          <a:chOff x="0" y="0"/>
+          <a:chExt cx="0" cy="0"/>
+        </a:xfrm>
+      </p:grpSpPr>
+      <p:sp>
+        <p:nvSpPr>
+          <p:cNvPr id="198" name="Shape 198"/>
+          <p:cNvSpPr/>
+          <p:nvPr>
+            <p:ph type="title"/>
+          </p:nvPr>
+        </p:nvSpPr>
+        <p:spPr>
+          <a:xfrm>
+            <a:off x="457803" y="1094432"/>
+            <a:ext cx="6145819" cy="859136"/>
+          </a:xfrm>
+          <a:prstGeom prst="rect">
+            <a:avLst/>
+          </a:prstGeom>
+        </p:spPr>
+        <p:txBody>
+          <a:bodyPr/>
+          <a:lstStyle>
+            <a:lvl1pPr algn="l" defTabSz="385572">
+              <a:defRPr b="1" sz="5280">
+                <a:latin typeface="Arial"/>
+                <a:ea typeface="Arial"/>
+                <a:cs typeface="Arial"/>
+                <a:sym typeface="Arial"/>
+              </a:defRPr>
+            </a:lvl1pPr>
+          </a:lstStyle>
+          <a:p>
+            <a:pPr/>
+            <a:r>
+              <a:t>data/resultaten</a:t>
+            </a:r>
+          </a:p>
+        </p:txBody>
+      </p:sp>
+      <p:sp>
+        <p:nvSpPr>
+          <p:cNvPr id="199" name="Shape 199"/>
+          <p:cNvSpPr/>
+          <p:nvPr/>
+        </p:nvSpPr>
+        <p:spPr>
+          <a:xfrm>
+            <a:off x="5535245" y="1094432"/>
+            <a:ext cx="7169760" cy="859136"/>
+          </a:xfrm>
+          <a:prstGeom prst="rect">
+            <a:avLst/>
+          </a:prstGeom>
+          <a:ln w="25400">
+            <a:solidFill>
+              <a:srgbClr val="000000"/>
+            </a:solidFill>
+            <a:miter lim="400000"/>
+          </a:ln>
+          <a:extLst>
+            <a:ext uri="{C572A759-6A51-4108-AA02-DFA0A04FC94B}">
+              <ma14:wrappingTextBoxFlag xmlns:ma14="http://schemas.microsoft.com/office/mac/drawingml/2011/main" val="1"/>
+            </a:ext>
+          </a:extLst>
+        </p:spPr>
+        <p:txBody>
+          <a:bodyPr lIns="50800" tIns="50800" rIns="50800" bIns="50800" anchor="ctr">
+            <a:normAutofit fontScale="100000" lnSpcReduction="0"/>
+          </a:bodyPr>
+          <a:lstStyle>
+            <a:lvl1pPr defTabSz="373887">
+              <a:defRPr sz="5119">
+                <a:solidFill>
+                  <a:srgbClr val="A6AAA9"/>
+                </a:solidFill>
+                <a:latin typeface="Arial"/>
+                <a:ea typeface="Arial"/>
+                <a:cs typeface="Arial"/>
+                <a:sym typeface="Arial"/>
+              </a:defRPr>
+            </a:lvl1pPr>
+          </a:lstStyle>
+          <a:p>
+            <a:pPr/>
+            <a:r>
+              <a:t>hill climber</a:t>
+            </a:r>
+          </a:p>
+        </p:txBody>
+      </p:sp>
+      <p:sp>
+        <p:nvSpPr>
+          <p:cNvPr id="200" name="Shape 200"/>
+          <p:cNvSpPr/>
+          <p:nvPr/>
+        </p:nvSpPr>
+        <p:spPr>
+          <a:xfrm>
+            <a:off x="485449" y="2406797"/>
+            <a:ext cx="11577965" cy="1193801"/>
+          </a:xfrm>
+          <a:prstGeom prst="rect">
+            <a:avLst/>
+          </a:prstGeom>
+          <a:ln w="12700">
+            <a:miter lim="400000"/>
+          </a:ln>
+          <a:extLst>
+            <a:ext uri="{C572A759-6A51-4108-AA02-DFA0A04FC94B}">
+              <ma14:wrappingTextBoxFlag xmlns:ma14="http://schemas.microsoft.com/office/mac/drawingml/2011/main" val="1"/>
+            </a:ext>
+          </a:extLst>
+        </p:spPr>
+        <p:txBody>
+          <a:bodyPr lIns="50800" tIns="50800" rIns="50800" bIns="50800" anchor="ctr">
+            <a:spAutoFit/>
+          </a:bodyPr>
+          <a:lstStyle/>
+          <a:p>
+            <a:pPr marL="228600" indent="-228600" algn="l">
+              <a:buSzPct val="46000"/>
+              <a:buBlip>
+                <a:blip r:embed="rId2"/>
+              </a:buBlip>
+            </a:pPr>
+            <a:r>
+              <a:t> 100.000 runs</a:t>
+            </a:r>
+          </a:p>
+          <a:p>
+            <a:pPr marL="228600" indent="-228600" algn="l">
+              <a:buSzPct val="46000"/>
+              <a:buBlip>
+                <a:blip r:embed="rId2"/>
+              </a:buBlip>
+            </a:pPr>
+            <a:r>
+              <a:t> startmap: random &amp; scenario’s</a:t>
+            </a:r>
+          </a:p>
+        </p:txBody>
+      </p:sp>
+      <p:sp>
+        <p:nvSpPr>
+          <p:cNvPr id="201" name="Shape 201"/>
+          <p:cNvSpPr/>
+          <p:nvPr/>
+        </p:nvSpPr>
+        <p:spPr>
+          <a:xfrm>
+            <a:off x="485449" y="4542940"/>
+            <a:ext cx="11577965" cy="1193801"/>
+          </a:xfrm>
+          <a:prstGeom prst="rect">
+            <a:avLst/>
+          </a:prstGeom>
+          <a:ln w="12700">
+            <a:miter lim="400000"/>
+          </a:ln>
+          <a:extLst>
+            <a:ext uri="{C572A759-6A51-4108-AA02-DFA0A04FC94B}">
+              <ma14:wrappingTextBoxFlag xmlns:ma14="http://schemas.microsoft.com/office/mac/drawingml/2011/main" val="1"/>
+            </a:ext>
+          </a:extLst>
+        </p:spPr>
+        <p:txBody>
+          <a:bodyPr lIns="50800" tIns="50800" rIns="50800" bIns="50800" anchor="ctr">
+            <a:spAutoFit/>
+          </a:bodyPr>
+          <a:lstStyle>
+            <a:lvl1pPr marL="228600" indent="-228600" algn="l">
+              <a:buSzPct val="46000"/>
+              <a:buBlip>
+                <a:blip r:embed="rId2"/>
+              </a:buBlip>
+            </a:lvl1pPr>
+          </a:lstStyle>
+          <a:p>
+            <a:pPr/>
+            <a:r>
+              <a:t> huizen gecentreerd:</a:t>
+            </a:r>
+          </a:p>
+        </p:txBody>
+      </p:sp>
+      <p:pic>
+        <p:nvPicPr>
+          <p:cNvPr id="202" name="7566480.0before.png"/>
+          <p:cNvPicPr>
+            <a:picLocks noChangeAspect="1"/>
+          </p:cNvPicPr>
+          <p:nvPr/>
+        </p:nvPicPr>
+        <p:blipFill>
+          <a:blip r:embed="rId3">
+            <a:extLst/>
+          </a:blip>
+          <a:stretch>
+            <a:fillRect/>
+          </a:stretch>
+        </p:blipFill>
+        <p:spPr>
+          <a:xfrm>
+            <a:off x="8851820" y="2145254"/>
+            <a:ext cx="3884706" cy="3471126"/>
+          </a:xfrm>
+          <a:prstGeom prst="rect">
+            <a:avLst/>
+          </a:prstGeom>
+          <a:ln w="12700">
+            <a:miter lim="400000"/>
+          </a:ln>
+        </p:spPr>
+      </p:pic>
+    </p:spTree>
+  </p:cSld>
+  <p:clrMapOvr>
+    <a:masterClrMapping/>
+  </p:clrMapOvr>
+  <p:transition xmlns:p14="http://schemas.microsoft.com/office/powerpoint/2010/main" spd="med" advClick="1" p14:dur="1000"/>
+</p:sld>
+</file>
+
+<file path=ppt/slides/slide17.xml><?xml version="1.0" encoding="utf-8"?>
+<p:sld xmlns:a="http://schemas.openxmlformats.org/drawingml/2006/main" xmlns:r="http://schemas.openxmlformats.org/officeDocument/2006/relationships" xmlns:p="http://schemas.openxmlformats.org/presentationml/2006/main" showMasterSp="1" showMasterPhAnim="1">
+  <p:cSld>
+    <p:spTree>
+      <p:nvGrpSpPr>
+        <p:cNvPr id="1" name=""/>
+        <p:cNvGrpSpPr/>
+        <p:nvPr/>
+      </p:nvGrpSpPr>
+      <p:grpSpPr>
+        <a:xfrm>
+          <a:off x="0" y="0"/>
+          <a:ext cx="0" cy="0"/>
+          <a:chOff x="0" y="0"/>
+          <a:chExt cx="0" cy="0"/>
+        </a:xfrm>
+      </p:grpSpPr>
+      <p:sp>
+        <p:nvSpPr>
+          <p:cNvPr id="204" name="Shape 204"/>
+          <p:cNvSpPr/>
+          <p:nvPr>
+            <p:ph type="title"/>
+          </p:nvPr>
+        </p:nvSpPr>
+        <p:spPr>
+          <a:xfrm>
+            <a:off x="457803" y="1094432"/>
+            <a:ext cx="6145819" cy="859136"/>
+          </a:xfrm>
+          <a:prstGeom prst="rect">
+            <a:avLst/>
+          </a:prstGeom>
+        </p:spPr>
+        <p:txBody>
+          <a:bodyPr/>
+          <a:lstStyle>
+            <a:lvl1pPr algn="l" defTabSz="385572">
+              <a:defRPr b="1" sz="5280">
+                <a:latin typeface="Arial"/>
+                <a:ea typeface="Arial"/>
+                <a:cs typeface="Arial"/>
+                <a:sym typeface="Arial"/>
+              </a:defRPr>
+            </a:lvl1pPr>
+          </a:lstStyle>
+          <a:p>
+            <a:pPr/>
+            <a:r>
+              <a:t>data/resultaten</a:t>
+            </a:r>
+          </a:p>
+        </p:txBody>
+      </p:sp>
+      <p:sp>
+        <p:nvSpPr>
+          <p:cNvPr id="205" name="Shape 205"/>
+          <p:cNvSpPr/>
+          <p:nvPr/>
+        </p:nvSpPr>
+        <p:spPr>
+          <a:xfrm>
+            <a:off x="5535245" y="1094432"/>
+            <a:ext cx="7169760" cy="859136"/>
+          </a:xfrm>
+          <a:prstGeom prst="rect">
+            <a:avLst/>
+          </a:prstGeom>
+          <a:ln w="25400">
+            <a:solidFill>
+              <a:srgbClr val="000000"/>
+            </a:solidFill>
+            <a:miter lim="400000"/>
+          </a:ln>
+          <a:extLst>
+            <a:ext uri="{C572A759-6A51-4108-AA02-DFA0A04FC94B}">
+              <ma14:wrappingTextBoxFlag xmlns:ma14="http://schemas.microsoft.com/office/mac/drawingml/2011/main" val="1"/>
+            </a:ext>
+          </a:extLst>
+        </p:spPr>
+        <p:txBody>
+          <a:bodyPr lIns="50800" tIns="50800" rIns="50800" bIns="50800" anchor="ctr">
+            <a:normAutofit fontScale="100000" lnSpcReduction="0"/>
+          </a:bodyPr>
+          <a:lstStyle>
+            <a:lvl1pPr defTabSz="373887">
+              <a:defRPr sz="5119">
+                <a:solidFill>
+                  <a:srgbClr val="A6AAA9"/>
+                </a:solidFill>
+                <a:latin typeface="Arial"/>
+                <a:ea typeface="Arial"/>
+                <a:cs typeface="Arial"/>
+                <a:sym typeface="Arial"/>
+              </a:defRPr>
+            </a:lvl1pPr>
+          </a:lstStyle>
+          <a:p>
+            <a:pPr/>
+            <a:r>
+              <a:t>hill climber</a:t>
+            </a:r>
+          </a:p>
+        </p:txBody>
+      </p:sp>
+      <p:sp>
+        <p:nvSpPr>
+          <p:cNvPr id="206" name="Shape 206"/>
+          <p:cNvSpPr/>
+          <p:nvPr/>
+        </p:nvSpPr>
+        <p:spPr>
+          <a:xfrm>
+            <a:off x="485449" y="2406797"/>
+            <a:ext cx="11577965" cy="1193801"/>
+          </a:xfrm>
+          <a:prstGeom prst="rect">
+            <a:avLst/>
+          </a:prstGeom>
+          <a:ln w="12700">
+            <a:miter lim="400000"/>
+          </a:ln>
+          <a:extLst>
+            <a:ext uri="{C572A759-6A51-4108-AA02-DFA0A04FC94B}">
+              <ma14:wrappingTextBoxFlag xmlns:ma14="http://schemas.microsoft.com/office/mac/drawingml/2011/main" val="1"/>
+            </a:ext>
+          </a:extLst>
+        </p:spPr>
+        <p:txBody>
+          <a:bodyPr lIns="50800" tIns="50800" rIns="50800" bIns="50800" anchor="ctr">
+            <a:spAutoFit/>
+          </a:bodyPr>
+          <a:lstStyle/>
+          <a:p>
+            <a:pPr marL="228600" indent="-228600" algn="l">
+              <a:buSzPct val="46000"/>
+              <a:buBlip>
+                <a:blip r:embed="rId2"/>
+              </a:buBlip>
+            </a:pPr>
+            <a:r>
+              <a:t> 100.000 runs</a:t>
+            </a:r>
+          </a:p>
+          <a:p>
+            <a:pPr marL="228600" indent="-228600" algn="l">
+              <a:buSzPct val="46000"/>
+              <a:buBlip>
+                <a:blip r:embed="rId2"/>
+              </a:buBlip>
+            </a:pPr>
+            <a:r>
+              <a:t> startmap: random &amp; scenario’s</a:t>
+            </a:r>
+          </a:p>
+        </p:txBody>
+      </p:sp>
+      <p:sp>
+        <p:nvSpPr>
+          <p:cNvPr id="207" name="Shape 207"/>
+          <p:cNvSpPr/>
+          <p:nvPr/>
+        </p:nvSpPr>
+        <p:spPr>
+          <a:xfrm>
+            <a:off x="485449" y="4542940"/>
+            <a:ext cx="11577965" cy="1193801"/>
+          </a:xfrm>
+          <a:prstGeom prst="rect">
+            <a:avLst/>
+          </a:prstGeom>
+          <a:ln w="12700">
+            <a:miter lim="400000"/>
+          </a:ln>
+          <a:extLst>
+            <a:ext uri="{C572A759-6A51-4108-AA02-DFA0A04FC94B}">
+              <ma14:wrappingTextBoxFlag xmlns:ma14="http://schemas.microsoft.com/office/mac/drawingml/2011/main" val="1"/>
+            </a:ext>
+          </a:extLst>
+        </p:spPr>
+        <p:txBody>
+          <a:bodyPr lIns="50800" tIns="50800" rIns="50800" bIns="50800" anchor="ctr">
+            <a:spAutoFit/>
+          </a:bodyPr>
+          <a:lstStyle>
+            <a:lvl1pPr marL="228600" indent="-228600" algn="l">
+              <a:buSzPct val="46000"/>
+              <a:buBlip>
+                <a:blip r:embed="rId2"/>
+              </a:buBlip>
+            </a:lvl1pPr>
+          </a:lstStyle>
+          <a:p>
+            <a:pPr/>
+            <a:r>
+              <a:t> gelijke afstanden:</a:t>
+            </a:r>
+          </a:p>
+        </p:txBody>
+      </p:sp>
+      <p:pic>
+        <p:nvPicPr>
+          <p:cNvPr id="208" name="11309430.0before.png"/>
+          <p:cNvPicPr>
+            <a:picLocks noChangeAspect="1"/>
+          </p:cNvPicPr>
+          <p:nvPr/>
+        </p:nvPicPr>
+        <p:blipFill>
+          <a:blip r:embed="rId3">
+            <a:extLst/>
+          </a:blip>
+          <a:stretch>
+            <a:fillRect/>
+          </a:stretch>
+        </p:blipFill>
+        <p:spPr>
+          <a:xfrm>
+            <a:off x="8941798" y="2127718"/>
+            <a:ext cx="3884706" cy="3471126"/>
+          </a:xfrm>
+          <a:prstGeom prst="rect">
+            <a:avLst/>
+          </a:prstGeom>
+          <a:ln w="12700">
+            <a:miter lim="400000"/>
+          </a:ln>
+        </p:spPr>
+      </p:pic>
+    </p:spTree>
+  </p:cSld>
+  <p:clrMapOvr>
+    <a:masterClrMapping/>
+  </p:clrMapOvr>
+  <p:transition xmlns:p14="http://schemas.microsoft.com/office/powerpoint/2010/main" spd="med" advClick="1" p14:dur="1000"/>
+</p:sld>
+</file>
+
+<file path=ppt/slides/slide18.xml><?xml version="1.0" encoding="utf-8"?>
+<p:sld xmlns:a="http://schemas.openxmlformats.org/drawingml/2006/main" xmlns:r="http://schemas.openxmlformats.org/officeDocument/2006/relationships" xmlns:p="http://schemas.openxmlformats.org/presentationml/2006/main" showMasterSp="1" showMasterPhAnim="1">
+  <p:cSld>
+    <p:spTree>
+      <p:nvGrpSpPr>
+        <p:cNvPr id="1" name=""/>
+        <p:cNvGrpSpPr/>
+        <p:nvPr/>
+      </p:nvGrpSpPr>
+      <p:grpSpPr>
+        <a:xfrm>
+          <a:off x="0" y="0"/>
+          <a:ext cx="0" cy="0"/>
+          <a:chOff x="0" y="0"/>
+          <a:chExt cx="0" cy="0"/>
+        </a:xfrm>
+      </p:grpSpPr>
+      <p:sp>
+        <p:nvSpPr>
+          <p:cNvPr id="210" name="Shape 210"/>
+          <p:cNvSpPr/>
+          <p:nvPr>
+            <p:ph type="title"/>
+          </p:nvPr>
+        </p:nvSpPr>
+        <p:spPr>
+          <a:xfrm>
+            <a:off x="457803" y="1094432"/>
+            <a:ext cx="6145819" cy="859136"/>
+          </a:xfrm>
+          <a:prstGeom prst="rect">
+            <a:avLst/>
+          </a:prstGeom>
+        </p:spPr>
+        <p:txBody>
+          <a:bodyPr/>
+          <a:lstStyle>
+            <a:lvl1pPr algn="l" defTabSz="385572">
+              <a:defRPr b="1" sz="5280">
+                <a:latin typeface="Arial"/>
+                <a:ea typeface="Arial"/>
+                <a:cs typeface="Arial"/>
+                <a:sym typeface="Arial"/>
+              </a:defRPr>
+            </a:lvl1pPr>
+          </a:lstStyle>
+          <a:p>
+            <a:pPr/>
+            <a:r>
+              <a:t>data/resultaten</a:t>
+            </a:r>
+          </a:p>
+        </p:txBody>
+      </p:sp>
+      <p:sp>
+        <p:nvSpPr>
+          <p:cNvPr id="211" name="Shape 211"/>
+          <p:cNvSpPr/>
+          <p:nvPr/>
+        </p:nvSpPr>
+        <p:spPr>
+          <a:xfrm>
+            <a:off x="485449" y="2562139"/>
+            <a:ext cx="11577965" cy="2286001"/>
+          </a:xfrm>
+          <a:prstGeom prst="rect">
+            <a:avLst/>
+          </a:prstGeom>
+          <a:ln w="12700">
+            <a:miter lim="400000"/>
+          </a:ln>
+          <a:extLst>
+            <a:ext uri="{C572A759-6A51-4108-AA02-DFA0A04FC94B}">
+              <ma14:wrappingTextBoxFlag xmlns:ma14="http://schemas.microsoft.com/office/mac/drawingml/2011/main" val="1"/>
+            </a:ext>
+          </a:extLst>
+        </p:spPr>
+        <p:txBody>
+          <a:bodyPr lIns="50800" tIns="50800" rIns="50800" bIns="50800" anchor="ctr">
+            <a:spAutoFit/>
+          </a:bodyPr>
+          <a:lstStyle/>
+          <a:p>
+            <a:pPr marL="228600" indent="-228600" algn="l">
+              <a:buSzPct val="46000"/>
+              <a:buBlip>
+                <a:blip r:embed="rId2"/>
+              </a:buBlip>
+            </a:pPr>
+            <a:r>
+              <a:t> 100.000 runs</a:t>
+            </a:r>
+          </a:p>
+          <a:p>
+            <a:pPr marL="228600" indent="-228600" algn="l">
+              <a:buSzPct val="46000"/>
+              <a:buBlip>
+                <a:blip r:embed="rId2"/>
+              </a:buBlip>
+            </a:pPr>
+            <a:r>
+              <a:t> startmap: random &amp; scenario’s</a:t>
+            </a:r>
+          </a:p>
+          <a:p>
+            <a:pPr marL="228600" indent="-228600" algn="l">
+              <a:buSzPct val="46000"/>
+              <a:buBlip>
+                <a:blip r:embed="rId2"/>
+              </a:buBlip>
+            </a:pPr>
+          </a:p>
+        </p:txBody>
+      </p:sp>
+      <p:sp>
+        <p:nvSpPr>
+          <p:cNvPr id="212" name="Shape 212"/>
+          <p:cNvSpPr/>
+          <p:nvPr/>
+        </p:nvSpPr>
+        <p:spPr>
+          <a:xfrm>
+            <a:off x="5535245" y="1094432"/>
+            <a:ext cx="7169760" cy="859136"/>
+          </a:xfrm>
+          <a:prstGeom prst="rect">
+            <a:avLst/>
+          </a:prstGeom>
+          <a:ln w="25400">
+            <a:solidFill>
+              <a:srgbClr val="000000"/>
+            </a:solidFill>
+            <a:miter lim="400000"/>
+          </a:ln>
+          <a:extLst>
+            <a:ext uri="{C572A759-6A51-4108-AA02-DFA0A04FC94B}">
+              <ma14:wrappingTextBoxFlag xmlns:ma14="http://schemas.microsoft.com/office/mac/drawingml/2011/main" val="1"/>
+            </a:ext>
+          </a:extLst>
+        </p:spPr>
+        <p:txBody>
+          <a:bodyPr lIns="50800" tIns="50800" rIns="50800" bIns="50800" anchor="ctr">
+            <a:normAutofit fontScale="100000" lnSpcReduction="0"/>
+          </a:bodyPr>
+          <a:lstStyle>
+            <a:lvl1pPr defTabSz="373887">
+              <a:defRPr sz="5119">
+                <a:solidFill>
+                  <a:srgbClr val="A6AAA9"/>
+                </a:solidFill>
+                <a:latin typeface="Arial"/>
+                <a:ea typeface="Arial"/>
+                <a:cs typeface="Arial"/>
+                <a:sym typeface="Arial"/>
+              </a:defRPr>
+            </a:lvl1pPr>
+          </a:lstStyle>
+          <a:p>
+            <a:pPr/>
+            <a:r>
+              <a:t>simulated annealing</a:t>
+            </a:r>
+          </a:p>
+        </p:txBody>
+      </p:sp>
+      <p:sp>
+        <p:nvSpPr>
+          <p:cNvPr id="213" name="Shape 213"/>
+          <p:cNvSpPr/>
+          <p:nvPr/>
+        </p:nvSpPr>
+        <p:spPr>
+          <a:xfrm>
+            <a:off x="485449" y="4805981"/>
+            <a:ext cx="11577965" cy="1193801"/>
+          </a:xfrm>
+          <a:prstGeom prst="rect">
+            <a:avLst/>
+          </a:prstGeom>
+          <a:ln w="12700">
+            <a:miter lim="400000"/>
+          </a:ln>
+          <a:extLst>
+            <a:ext uri="{C572A759-6A51-4108-AA02-DFA0A04FC94B}">
+              <ma14:wrappingTextBoxFlag xmlns:ma14="http://schemas.microsoft.com/office/mac/drawingml/2011/main" val="1"/>
+            </a:ext>
+          </a:extLst>
+        </p:spPr>
+        <p:txBody>
+          <a:bodyPr lIns="50800" tIns="50800" rIns="50800" bIns="50800" anchor="ctr">
+            <a:spAutoFit/>
+          </a:bodyPr>
+          <a:lstStyle>
+            <a:lvl1pPr marL="228600" indent="-228600" algn="l">
+              <a:buSzPct val="46000"/>
+              <a:buBlip>
+                <a:blip r:embed="rId2"/>
+              </a:buBlip>
+            </a:lvl1pPr>
+          </a:lstStyle>
+          <a:p>
+            <a:pPr/>
+            <a:r>
+              <a:t> random sampling:</a:t>
+            </a:r>
+          </a:p>
+        </p:txBody>
+      </p:sp>
+    </p:spTree>
+  </p:cSld>
+  <p:clrMapOvr>
+    <a:masterClrMapping/>
+  </p:clrMapOvr>
+  <p:transition xmlns:p14="http://schemas.microsoft.com/office/powerpoint/2010/main" spd="med" advClick="1" p14:dur="1000"/>
+</p:sld>
+</file>
+
+<file path=ppt/slides/slide19.xml><?xml version="1.0" encoding="utf-8"?>
+<p:sld xmlns:a="http://schemas.openxmlformats.org/drawingml/2006/main" xmlns:r="http://schemas.openxmlformats.org/officeDocument/2006/relationships" xmlns:p="http://schemas.openxmlformats.org/presentationml/2006/main" showMasterSp="1" showMasterPhAnim="1">
+  <p:cSld>
+    <p:spTree>
+      <p:nvGrpSpPr>
+        <p:cNvPr id="1" name=""/>
+        <p:cNvGrpSpPr/>
+        <p:nvPr/>
+      </p:nvGrpSpPr>
+      <p:grpSpPr>
+        <a:xfrm>
+          <a:off x="0" y="0"/>
+          <a:ext cx="0" cy="0"/>
+          <a:chOff x="0" y="0"/>
+          <a:chExt cx="0" cy="0"/>
+        </a:xfrm>
+      </p:grpSpPr>
+      <p:sp>
+        <p:nvSpPr>
+          <p:cNvPr id="215" name="Shape 215"/>
+          <p:cNvSpPr/>
+          <p:nvPr>
+            <p:ph type="title"/>
+          </p:nvPr>
+        </p:nvSpPr>
+        <p:spPr>
+          <a:xfrm>
+            <a:off x="457803" y="1094432"/>
+            <a:ext cx="6145819" cy="859136"/>
+          </a:xfrm>
+          <a:prstGeom prst="rect">
+            <a:avLst/>
+          </a:prstGeom>
+        </p:spPr>
+        <p:txBody>
+          <a:bodyPr/>
+          <a:lstStyle>
+            <a:lvl1pPr algn="l" defTabSz="385572">
+              <a:defRPr b="1" sz="5280">
+                <a:latin typeface="Arial"/>
+                <a:ea typeface="Arial"/>
+                <a:cs typeface="Arial"/>
+                <a:sym typeface="Arial"/>
+              </a:defRPr>
+            </a:lvl1pPr>
+          </a:lstStyle>
+          <a:p>
+            <a:pPr/>
+            <a:r>
+              <a:t>data/resultaten</a:t>
+            </a:r>
+          </a:p>
+        </p:txBody>
+      </p:sp>
+      <p:sp>
+        <p:nvSpPr>
+          <p:cNvPr id="216" name="Shape 216"/>
+          <p:cNvSpPr/>
+          <p:nvPr/>
+        </p:nvSpPr>
+        <p:spPr>
+          <a:xfrm>
+            <a:off x="485449" y="2562139"/>
+            <a:ext cx="11577965" cy="2286001"/>
+          </a:xfrm>
+          <a:prstGeom prst="rect">
+            <a:avLst/>
+          </a:prstGeom>
+          <a:ln w="12700">
+            <a:miter lim="400000"/>
+          </a:ln>
+          <a:extLst>
+            <a:ext uri="{C572A759-6A51-4108-AA02-DFA0A04FC94B}">
+              <ma14:wrappingTextBoxFlag xmlns:ma14="http://schemas.microsoft.com/office/mac/drawingml/2011/main" val="1"/>
+            </a:ext>
+          </a:extLst>
+        </p:spPr>
+        <p:txBody>
+          <a:bodyPr lIns="50800" tIns="50800" rIns="50800" bIns="50800" anchor="ctr">
+            <a:spAutoFit/>
+          </a:bodyPr>
+          <a:lstStyle/>
+          <a:p>
+            <a:pPr marL="228600" indent="-228600" algn="l">
+              <a:buSzPct val="46000"/>
+              <a:buBlip>
+                <a:blip r:embed="rId2"/>
+              </a:buBlip>
+            </a:pPr>
+            <a:r>
+              <a:t> 100.000 runs</a:t>
+            </a:r>
+          </a:p>
+          <a:p>
+            <a:pPr marL="228600" indent="-228600" algn="l">
+              <a:buSzPct val="46000"/>
+              <a:buBlip>
+                <a:blip r:embed="rId2"/>
+              </a:buBlip>
+            </a:pPr>
+            <a:r>
+              <a:t> startmap: random &amp; scenario’s</a:t>
+            </a:r>
+          </a:p>
+          <a:p>
+            <a:pPr marL="228600" indent="-228600" algn="l">
+              <a:buSzPct val="46000"/>
+              <a:buBlip>
+                <a:blip r:embed="rId2"/>
+              </a:buBlip>
+            </a:pPr>
+          </a:p>
+        </p:txBody>
+      </p:sp>
+      <p:sp>
+        <p:nvSpPr>
+          <p:cNvPr id="217" name="Shape 217"/>
+          <p:cNvSpPr/>
+          <p:nvPr/>
+        </p:nvSpPr>
+        <p:spPr>
+          <a:xfrm>
+            <a:off x="5535245" y="1094432"/>
+            <a:ext cx="7169760" cy="859136"/>
+          </a:xfrm>
+          <a:prstGeom prst="rect">
+            <a:avLst/>
+          </a:prstGeom>
+          <a:ln w="25400">
+            <a:solidFill>
+              <a:srgbClr val="000000"/>
+            </a:solidFill>
+            <a:miter lim="400000"/>
+          </a:ln>
+          <a:extLst>
+            <a:ext uri="{C572A759-6A51-4108-AA02-DFA0A04FC94B}">
+              <ma14:wrappingTextBoxFlag xmlns:ma14="http://schemas.microsoft.com/office/mac/drawingml/2011/main" val="1"/>
+            </a:ext>
+          </a:extLst>
+        </p:spPr>
+        <p:txBody>
+          <a:bodyPr lIns="50800" tIns="50800" rIns="50800" bIns="50800" anchor="ctr">
+            <a:normAutofit fontScale="100000" lnSpcReduction="0"/>
+          </a:bodyPr>
+          <a:lstStyle>
+            <a:lvl1pPr defTabSz="373887">
+              <a:defRPr sz="5119">
+                <a:solidFill>
+                  <a:srgbClr val="A6AAA9"/>
+                </a:solidFill>
+                <a:latin typeface="Arial"/>
+                <a:ea typeface="Arial"/>
+                <a:cs typeface="Arial"/>
+                <a:sym typeface="Arial"/>
+              </a:defRPr>
+            </a:lvl1pPr>
+          </a:lstStyle>
+          <a:p>
+            <a:pPr/>
+            <a:r>
+              <a:t>simulated annealing</a:t>
+            </a:r>
+          </a:p>
+        </p:txBody>
+      </p:sp>
+      <p:sp>
+        <p:nvSpPr>
+          <p:cNvPr id="218" name="Shape 218"/>
+          <p:cNvSpPr/>
+          <p:nvPr/>
+        </p:nvSpPr>
+        <p:spPr>
+          <a:xfrm>
+            <a:off x="485449" y="4805981"/>
+            <a:ext cx="11577965" cy="1193801"/>
+          </a:xfrm>
+          <a:prstGeom prst="rect">
+            <a:avLst/>
+          </a:prstGeom>
+          <a:ln w="12700">
+            <a:miter lim="400000"/>
+          </a:ln>
+          <a:extLst>
+            <a:ext uri="{C572A759-6A51-4108-AA02-DFA0A04FC94B}">
+              <ma14:wrappingTextBoxFlag xmlns:ma14="http://schemas.microsoft.com/office/mac/drawingml/2011/main" val="1"/>
+            </a:ext>
+          </a:extLst>
+        </p:spPr>
+        <p:txBody>
+          <a:bodyPr lIns="50800" tIns="50800" rIns="50800" bIns="50800" anchor="ctr">
+            <a:spAutoFit/>
+          </a:bodyPr>
+          <a:lstStyle>
+            <a:lvl1pPr marL="228600" indent="-228600" algn="l">
+              <a:buSzPct val="46000"/>
+              <a:buBlip>
+                <a:blip r:embed="rId2"/>
+              </a:buBlip>
+            </a:lvl1pPr>
+          </a:lstStyle>
+          <a:p>
+            <a:pPr/>
+            <a:r>
+              <a:t> huizen gecentreerd:</a:t>
+            </a:r>
+          </a:p>
+        </p:txBody>
+      </p:sp>
+      <p:pic>
+        <p:nvPicPr>
+          <p:cNvPr id="219" name="7566480.0before.png"/>
+          <p:cNvPicPr>
+            <a:picLocks noChangeAspect="1"/>
+          </p:cNvPicPr>
+          <p:nvPr/>
+        </p:nvPicPr>
+        <p:blipFill>
+          <a:blip r:embed="rId3">
+            <a:extLst/>
+          </a:blip>
+          <a:stretch>
+            <a:fillRect/>
+          </a:stretch>
+        </p:blipFill>
+        <p:spPr>
+          <a:xfrm>
+            <a:off x="8851820" y="2145254"/>
+            <a:ext cx="3884707" cy="3471126"/>
+          </a:xfrm>
+          <a:prstGeom prst="rect">
+            <a:avLst/>
+          </a:prstGeom>
+          <a:ln w="12700">
+            <a:miter lim="400000"/>
+          </a:ln>
+        </p:spPr>
+      </p:pic>
     </p:spTree>
   </p:cSld>
   <p:clrMapOvr>
@@ -4830,8 +6842,8 @@
         </p:blipFill>
         <p:spPr>
           <a:xfrm>
-            <a:off x="6699793" y="2403473"/>
-            <a:ext cx="5672188" cy="5068305"/>
+            <a:off x="7050514" y="3055064"/>
+            <a:ext cx="5672188" cy="5068306"/>
           </a:xfrm>
           <a:prstGeom prst="rect">
             <a:avLst/>
@@ -4851,7 +6863,7 @@
         </p:nvSpPr>
         <p:spPr>
           <a:xfrm>
-            <a:off x="-3071694" y="1118408"/>
+            <a:off x="1084351" y="1094432"/>
             <a:ext cx="11099801" cy="859136"/>
           </a:xfrm>
           <a:prstGeom prst="rect">
@@ -4886,8 +6898,8 @@
         </p:nvSpPr>
         <p:spPr>
           <a:xfrm>
-            <a:off x="713418" y="1988766"/>
-            <a:ext cx="11577965" cy="7200901"/>
+            <a:off x="1712973" y="1988766"/>
+            <a:ext cx="5049825" cy="7200901"/>
           </a:xfrm>
           <a:prstGeom prst="rect">
             <a:avLst/>
@@ -5295,6 +7307,781 @@
     <a:masterClrMapping/>
   </p:clrMapOvr>
   <p:transition xmlns:p14="http://schemas.microsoft.com/office/powerpoint/2010/main" spd="med" advClick="1" p14:dur="1000"/>
+</p:sld>
+</file>
+
+<file path=ppt/slides/slide20.xml><?xml version="1.0" encoding="utf-8"?>
+<p:sld xmlns:a="http://schemas.openxmlformats.org/drawingml/2006/main" xmlns:r="http://schemas.openxmlformats.org/officeDocument/2006/relationships" xmlns:p="http://schemas.openxmlformats.org/presentationml/2006/main" showMasterSp="1" showMasterPhAnim="1">
+  <p:cSld>
+    <p:spTree>
+      <p:nvGrpSpPr>
+        <p:cNvPr id="1" name=""/>
+        <p:cNvGrpSpPr/>
+        <p:nvPr/>
+      </p:nvGrpSpPr>
+      <p:grpSpPr>
+        <a:xfrm>
+          <a:off x="0" y="0"/>
+          <a:ext cx="0" cy="0"/>
+          <a:chOff x="0" y="0"/>
+          <a:chExt cx="0" cy="0"/>
+        </a:xfrm>
+      </p:grpSpPr>
+      <p:sp>
+        <p:nvSpPr>
+          <p:cNvPr id="221" name="Shape 221"/>
+          <p:cNvSpPr/>
+          <p:nvPr>
+            <p:ph type="title"/>
+          </p:nvPr>
+        </p:nvSpPr>
+        <p:spPr>
+          <a:xfrm>
+            <a:off x="457803" y="1094432"/>
+            <a:ext cx="6145819" cy="859136"/>
+          </a:xfrm>
+          <a:prstGeom prst="rect">
+            <a:avLst/>
+          </a:prstGeom>
+        </p:spPr>
+        <p:txBody>
+          <a:bodyPr/>
+          <a:lstStyle>
+            <a:lvl1pPr algn="l" defTabSz="385572">
+              <a:defRPr b="1" sz="5280">
+                <a:latin typeface="Arial"/>
+                <a:ea typeface="Arial"/>
+                <a:cs typeface="Arial"/>
+                <a:sym typeface="Arial"/>
+              </a:defRPr>
+            </a:lvl1pPr>
+          </a:lstStyle>
+          <a:p>
+            <a:pPr/>
+            <a:r>
+              <a:t>data/resultaten</a:t>
+            </a:r>
+          </a:p>
+        </p:txBody>
+      </p:sp>
+      <p:sp>
+        <p:nvSpPr>
+          <p:cNvPr id="222" name="Shape 222"/>
+          <p:cNvSpPr/>
+          <p:nvPr/>
+        </p:nvSpPr>
+        <p:spPr>
+          <a:xfrm>
+            <a:off x="485449" y="2562139"/>
+            <a:ext cx="11577965" cy="2286001"/>
+          </a:xfrm>
+          <a:prstGeom prst="rect">
+            <a:avLst/>
+          </a:prstGeom>
+          <a:ln w="12700">
+            <a:miter lim="400000"/>
+          </a:ln>
+          <a:extLst>
+            <a:ext uri="{C572A759-6A51-4108-AA02-DFA0A04FC94B}">
+              <ma14:wrappingTextBoxFlag xmlns:ma14="http://schemas.microsoft.com/office/mac/drawingml/2011/main" val="1"/>
+            </a:ext>
+          </a:extLst>
+        </p:spPr>
+        <p:txBody>
+          <a:bodyPr lIns="50800" tIns="50800" rIns="50800" bIns="50800" anchor="ctr">
+            <a:spAutoFit/>
+          </a:bodyPr>
+          <a:lstStyle/>
+          <a:p>
+            <a:pPr marL="228600" indent="-228600" algn="l">
+              <a:buSzPct val="46000"/>
+              <a:buBlip>
+                <a:blip r:embed="rId2"/>
+              </a:buBlip>
+            </a:pPr>
+            <a:r>
+              <a:t> 100.000 runs</a:t>
+            </a:r>
+          </a:p>
+          <a:p>
+            <a:pPr marL="228600" indent="-228600" algn="l">
+              <a:buSzPct val="46000"/>
+              <a:buBlip>
+                <a:blip r:embed="rId2"/>
+              </a:buBlip>
+            </a:pPr>
+            <a:r>
+              <a:t> startmap: random &amp; scenario’s</a:t>
+            </a:r>
+          </a:p>
+          <a:p>
+            <a:pPr marL="228600" indent="-228600" algn="l">
+              <a:buSzPct val="46000"/>
+              <a:buBlip>
+                <a:blip r:embed="rId2"/>
+              </a:buBlip>
+            </a:pPr>
+          </a:p>
+        </p:txBody>
+      </p:sp>
+      <p:sp>
+        <p:nvSpPr>
+          <p:cNvPr id="223" name="Shape 223"/>
+          <p:cNvSpPr/>
+          <p:nvPr/>
+        </p:nvSpPr>
+        <p:spPr>
+          <a:xfrm>
+            <a:off x="5535245" y="1094432"/>
+            <a:ext cx="7169760" cy="859136"/>
+          </a:xfrm>
+          <a:prstGeom prst="rect">
+            <a:avLst/>
+          </a:prstGeom>
+          <a:ln w="25400">
+            <a:solidFill>
+              <a:srgbClr val="000000"/>
+            </a:solidFill>
+            <a:miter lim="400000"/>
+          </a:ln>
+          <a:extLst>
+            <a:ext uri="{C572A759-6A51-4108-AA02-DFA0A04FC94B}">
+              <ma14:wrappingTextBoxFlag xmlns:ma14="http://schemas.microsoft.com/office/mac/drawingml/2011/main" val="1"/>
+            </a:ext>
+          </a:extLst>
+        </p:spPr>
+        <p:txBody>
+          <a:bodyPr lIns="50800" tIns="50800" rIns="50800" bIns="50800" anchor="ctr">
+            <a:normAutofit fontScale="100000" lnSpcReduction="0"/>
+          </a:bodyPr>
+          <a:lstStyle>
+            <a:lvl1pPr defTabSz="373887">
+              <a:defRPr sz="5119">
+                <a:solidFill>
+                  <a:srgbClr val="A6AAA9"/>
+                </a:solidFill>
+                <a:latin typeface="Arial"/>
+                <a:ea typeface="Arial"/>
+                <a:cs typeface="Arial"/>
+                <a:sym typeface="Arial"/>
+              </a:defRPr>
+            </a:lvl1pPr>
+          </a:lstStyle>
+          <a:p>
+            <a:pPr/>
+            <a:r>
+              <a:t>simulated annealing</a:t>
+            </a:r>
+          </a:p>
+        </p:txBody>
+      </p:sp>
+      <p:sp>
+        <p:nvSpPr>
+          <p:cNvPr id="224" name="Shape 224"/>
+          <p:cNvSpPr/>
+          <p:nvPr/>
+        </p:nvSpPr>
+        <p:spPr>
+          <a:xfrm>
+            <a:off x="485449" y="4805981"/>
+            <a:ext cx="11577965" cy="1193801"/>
+          </a:xfrm>
+          <a:prstGeom prst="rect">
+            <a:avLst/>
+          </a:prstGeom>
+          <a:ln w="12700">
+            <a:miter lim="400000"/>
+          </a:ln>
+          <a:extLst>
+            <a:ext uri="{C572A759-6A51-4108-AA02-DFA0A04FC94B}">
+              <ma14:wrappingTextBoxFlag xmlns:ma14="http://schemas.microsoft.com/office/mac/drawingml/2011/main" val="1"/>
+            </a:ext>
+          </a:extLst>
+        </p:spPr>
+        <p:txBody>
+          <a:bodyPr lIns="50800" tIns="50800" rIns="50800" bIns="50800" anchor="ctr">
+            <a:spAutoFit/>
+          </a:bodyPr>
+          <a:lstStyle>
+            <a:lvl1pPr marL="228600" indent="-228600" algn="l">
+              <a:buSzPct val="46000"/>
+              <a:buBlip>
+                <a:blip r:embed="rId2"/>
+              </a:buBlip>
+            </a:lvl1pPr>
+          </a:lstStyle>
+          <a:p>
+            <a:pPr/>
+            <a:r>
+              <a:t> gelijke verdeling:</a:t>
+            </a:r>
+          </a:p>
+        </p:txBody>
+      </p:sp>
+      <p:pic>
+        <p:nvPicPr>
+          <p:cNvPr id="225" name="11309430.0before.png"/>
+          <p:cNvPicPr>
+            <a:picLocks noChangeAspect="1"/>
+          </p:cNvPicPr>
+          <p:nvPr/>
+        </p:nvPicPr>
+        <p:blipFill>
+          <a:blip r:embed="rId3">
+            <a:extLst/>
+          </a:blip>
+          <a:stretch>
+            <a:fillRect/>
+          </a:stretch>
+        </p:blipFill>
+        <p:spPr>
+          <a:xfrm>
+            <a:off x="8941798" y="2127718"/>
+            <a:ext cx="3884706" cy="3471126"/>
+          </a:xfrm>
+          <a:prstGeom prst="rect">
+            <a:avLst/>
+          </a:prstGeom>
+          <a:ln w="12700">
+            <a:miter lim="400000"/>
+          </a:ln>
+        </p:spPr>
+      </p:pic>
+    </p:spTree>
+  </p:cSld>
+  <p:clrMapOvr>
+    <a:masterClrMapping/>
+  </p:clrMapOvr>
+  <p:transition xmlns:p14="http://schemas.microsoft.com/office/powerpoint/2010/main" spd="med" advClick="1" p14:dur="1000"/>
+</p:sld>
+</file>
+
+<file path=ppt/slides/slide21.xml><?xml version="1.0" encoding="utf-8"?>
+<p:sld xmlns:a="http://schemas.openxmlformats.org/drawingml/2006/main" xmlns:r="http://schemas.openxmlformats.org/officeDocument/2006/relationships" xmlns:p="http://schemas.openxmlformats.org/presentationml/2006/main" showMasterSp="1" showMasterPhAnim="1">
+  <p:cSld>
+    <p:spTree>
+      <p:nvGrpSpPr>
+        <p:cNvPr id="1" name=""/>
+        <p:cNvGrpSpPr/>
+        <p:nvPr/>
+      </p:nvGrpSpPr>
+      <p:grpSpPr>
+        <a:xfrm>
+          <a:off x="0" y="0"/>
+          <a:ext cx="0" cy="0"/>
+          <a:chOff x="0" y="0"/>
+          <a:chExt cx="0" cy="0"/>
+        </a:xfrm>
+      </p:grpSpPr>
+      <p:sp>
+        <p:nvSpPr>
+          <p:cNvPr id="227" name="Shape 227"/>
+          <p:cNvSpPr/>
+          <p:nvPr>
+            <p:ph type="title"/>
+          </p:nvPr>
+        </p:nvSpPr>
+        <p:spPr>
+          <a:xfrm>
+            <a:off x="4456024" y="1094432"/>
+            <a:ext cx="6145819" cy="859136"/>
+          </a:xfrm>
+          <a:prstGeom prst="rect">
+            <a:avLst/>
+          </a:prstGeom>
+        </p:spPr>
+        <p:txBody>
+          <a:bodyPr/>
+          <a:lstStyle>
+            <a:lvl1pPr algn="l" defTabSz="385572">
+              <a:defRPr b="1" sz="5280">
+                <a:latin typeface="Arial"/>
+                <a:ea typeface="Arial"/>
+                <a:cs typeface="Arial"/>
+                <a:sym typeface="Arial"/>
+              </a:defRPr>
+            </a:lvl1pPr>
+          </a:lstStyle>
+          <a:p>
+            <a:pPr/>
+            <a:r>
+              <a:t>conclusie</a:t>
+            </a:r>
+          </a:p>
+        </p:txBody>
+      </p:sp>
+    </p:spTree>
+  </p:cSld>
+  <p:clrMapOvr>
+    <a:masterClrMapping/>
+  </p:clrMapOvr>
+  <p:transition xmlns:p14="http://schemas.microsoft.com/office/powerpoint/2010/main" spd="med" advClick="1" p14:dur="1000"/>
+</p:sld>
+</file>
+
+<file path=ppt/slides/slide22.xml><?xml version="1.0" encoding="utf-8"?>
+<p:sld xmlns:a="http://schemas.openxmlformats.org/drawingml/2006/main" xmlns:r="http://schemas.openxmlformats.org/officeDocument/2006/relationships" xmlns:p="http://schemas.openxmlformats.org/presentationml/2006/main" showMasterSp="1" showMasterPhAnim="1">
+  <p:cSld>
+    <p:spTree>
+      <p:nvGrpSpPr>
+        <p:cNvPr id="1" name=""/>
+        <p:cNvGrpSpPr/>
+        <p:nvPr/>
+      </p:nvGrpSpPr>
+      <p:grpSpPr>
+        <a:xfrm>
+          <a:off x="0" y="0"/>
+          <a:ext cx="0" cy="0"/>
+          <a:chOff x="0" y="0"/>
+          <a:chExt cx="0" cy="0"/>
+        </a:xfrm>
+      </p:grpSpPr>
+      <p:sp>
+        <p:nvSpPr>
+          <p:cNvPr id="229" name="Shape 229"/>
+          <p:cNvSpPr/>
+          <p:nvPr>
+            <p:ph type="title"/>
+          </p:nvPr>
+        </p:nvSpPr>
+        <p:spPr>
+          <a:xfrm>
+            <a:off x="4876889" y="1094432"/>
+            <a:ext cx="6145819" cy="859136"/>
+          </a:xfrm>
+          <a:prstGeom prst="rect">
+            <a:avLst/>
+          </a:prstGeom>
+        </p:spPr>
+        <p:txBody>
+          <a:bodyPr/>
+          <a:lstStyle>
+            <a:lvl1pPr algn="l" defTabSz="385572">
+              <a:defRPr b="1" sz="5280">
+                <a:latin typeface="Arial"/>
+                <a:ea typeface="Arial"/>
+                <a:cs typeface="Arial"/>
+                <a:sym typeface="Arial"/>
+              </a:defRPr>
+            </a:lvl1pPr>
+          </a:lstStyle>
+          <a:p>
+            <a:pPr/>
+            <a:r>
+              <a:t>discussie</a:t>
+            </a:r>
+          </a:p>
+        </p:txBody>
+      </p:sp>
+      <p:sp>
+        <p:nvSpPr>
+          <p:cNvPr id="230" name="Shape 230"/>
+          <p:cNvSpPr/>
+          <p:nvPr/>
+        </p:nvSpPr>
+        <p:spPr>
+          <a:xfrm>
+            <a:off x="485449" y="2835189"/>
+            <a:ext cx="11577965" cy="1739901"/>
+          </a:xfrm>
+          <a:prstGeom prst="rect">
+            <a:avLst/>
+          </a:prstGeom>
+          <a:ln w="12700">
+            <a:miter lim="400000"/>
+          </a:ln>
+          <a:extLst>
+            <a:ext uri="{C572A759-6A51-4108-AA02-DFA0A04FC94B}">
+              <ma14:wrappingTextBoxFlag xmlns:ma14="http://schemas.microsoft.com/office/mac/drawingml/2011/main" val="1"/>
+            </a:ext>
+          </a:extLst>
+        </p:spPr>
+        <p:txBody>
+          <a:bodyPr lIns="50800" tIns="50800" rIns="50800" bIns="50800" anchor="ctr">
+            <a:spAutoFit/>
+          </a:bodyPr>
+          <a:lstStyle/>
+          <a:p>
+            <a:pPr marL="228600" indent="-228600" algn="l">
+              <a:buSzPct val="46000"/>
+              <a:buBlip>
+                <a:blip r:embed="rId2"/>
+              </a:buBlip>
+            </a:pPr>
+            <a:r>
+              <a:t> vervolg onderzoek gefocust op plaatsing water</a:t>
+            </a:r>
+          </a:p>
+          <a:p>
+            <a:pPr marL="228600" indent="-228600" algn="l">
+              <a:buSzPct val="46000"/>
+              <a:buBlip>
+                <a:blip r:embed="rId2"/>
+              </a:buBlip>
+            </a:pPr>
+            <a:r>
+              <a:t> water verbeterd waarde meer dan algoritmes</a:t>
+            </a:r>
+          </a:p>
+          <a:p>
+            <a:pPr marL="228600" indent="-228600" algn="l">
+              <a:buSzPct val="46000"/>
+              <a:buBlip>
+                <a:blip r:embed="rId2"/>
+              </a:buBlip>
+            </a:pPr>
+            <a:r>
+              <a:t> sociale waarde constraints meenemen</a:t>
+            </a:r>
+          </a:p>
+        </p:txBody>
+      </p:sp>
+      <p:sp>
+        <p:nvSpPr>
+          <p:cNvPr id="231" name="Shape 231"/>
+          <p:cNvSpPr/>
+          <p:nvPr/>
+        </p:nvSpPr>
+        <p:spPr>
+          <a:xfrm>
+            <a:off x="223256" y="5644410"/>
+            <a:ext cx="12558288" cy="3899587"/>
+          </a:xfrm>
+          <a:prstGeom prst="rect">
+            <a:avLst/>
+          </a:prstGeom>
+          <a:ln w="25400">
+            <a:solidFill>
+              <a:srgbClr val="FFFFFF"/>
+            </a:solidFill>
+            <a:miter lim="400000"/>
+          </a:ln>
+        </p:spPr>
+        <p:txBody>
+          <a:bodyPr lIns="50800" tIns="50800" rIns="50800" bIns="50800" anchor="ctr"/>
+          <a:lstStyle/>
+          <a:p>
+            <a:pPr>
+              <a:defRPr sz="2400"/>
+            </a:pPr>
+          </a:p>
+        </p:txBody>
+      </p:sp>
+    </p:spTree>
+  </p:cSld>
+  <p:clrMapOvr>
+    <a:masterClrMapping/>
+  </p:clrMapOvr>
+  <p:transition xmlns:p14="http://schemas.microsoft.com/office/powerpoint/2010/main" spd="med" advClick="1" p14:dur="1000"/>
+  <p:timing>
+    <p:tnLst>
+      <p:par>
+        <p:cTn id="1" nodeType="tmRoot" restart="never" dur="indefinite" fill="hold">
+          <p:childTnLst>
+            <p:seq concurrent="1" prevAc="none" nextAc="seek">
+              <p:cTn id="2" nodeType="mainSeq" dur="indefinite" fill="hold">
+                <p:childTnLst>
+                  <p:par>
+                    <p:cTn id="3" fill="hold">
+                      <p:stCondLst>
+                        <p:cond delay="indefinite"/>
+                      </p:stCondLst>
+                      <p:childTnLst>
+                        <p:par>
+                          <p:cTn id="4" fill="hold">
+                            <p:stCondLst>
+                              <p:cond delay="0"/>
+                            </p:stCondLst>
+                            <p:childTnLst>
+                              <p:par>
+                                <p:cTn id="5" presetClass="entr" nodeType="clickEffect" presetSubtype="4" presetID="22" grpId="1" fill="hold">
+                                  <p:stCondLst>
+                                    <p:cond delay="0"/>
+                                  </p:stCondLst>
+                                  <p:iterate type="el" backwards="0">
+                                    <p:tmAbs val="0"/>
+                                  </p:iterate>
+                                  <p:childTnLst>
+                                    <p:set>
+                                      <p:cBhvr>
+                                        <p:cTn id="6" fill="hold"/>
+                                        <p:tgtEl>
+                                          <p:spTgt spid="231"/>
+                                        </p:tgtEl>
+                                        <p:attrNameLst>
+                                          <p:attrName>style.visibility</p:attrName>
+                                        </p:attrNameLst>
+                                      </p:cBhvr>
+                                      <p:to>
+                                        <p:strVal val="visible"/>
+                                      </p:to>
+                                    </p:set>
+                                    <p:animEffect filter="wipe(down)" transition="in">
+                                      <p:cBhvr>
+                                        <p:cTn id="7" dur="24000"/>
+                                        <p:tgtEl>
+                                          <p:spTgt spid="231"/>
+                                        </p:tgtEl>
+                                      </p:cBhvr>
+                                    </p:animEffect>
+                                  </p:childTnLst>
+                                </p:cTn>
+                              </p:par>
+                            </p:childTnLst>
+                          </p:cTn>
+                        </p:par>
+                      </p:childTnLst>
+                    </p:cTn>
+                  </p:par>
+                </p:childTnLst>
+              </p:cTn>
+              <p:prevCondLst>
+                <p:cond evt="onPrev">
+                  <p:tgtEl>
+                    <p:sldTgt/>
+                  </p:tgtEl>
+                </p:cond>
+              </p:prevCondLst>
+              <p:nextCondLst>
+                <p:cond evt="onNext">
+                  <p:tgtEl>
+                    <p:sldTgt/>
+                  </p:tgtEl>
+                </p:cond>
+              </p:nextCondLst>
+            </p:seq>
+          </p:childTnLst>
+        </p:cTn>
+      </p:par>
+    </p:tnLst>
+    <p:bldLst>
+      <p:bldP build="whole" bldLvl="1" animBg="1" rev="0" advAuto="0" spid="231" grpId="1"/>
+    </p:bldLst>
+  </p:timing>
+</p:sld>
+</file>
+
+<file path=ppt/slides/slide23.xml><?xml version="1.0" encoding="utf-8"?>
+<p:sld xmlns:a="http://schemas.openxmlformats.org/drawingml/2006/main" xmlns:r="http://schemas.openxmlformats.org/officeDocument/2006/relationships" xmlns:p="http://schemas.openxmlformats.org/presentationml/2006/main" showMasterSp="1" showMasterPhAnim="1">
+  <p:cSld>
+    <p:spTree>
+      <p:nvGrpSpPr>
+        <p:cNvPr id="1" name=""/>
+        <p:cNvGrpSpPr/>
+        <p:nvPr/>
+      </p:nvGrpSpPr>
+      <p:grpSpPr>
+        <a:xfrm>
+          <a:off x="0" y="0"/>
+          <a:ext cx="0" cy="0"/>
+          <a:chOff x="0" y="0"/>
+          <a:chExt cx="0" cy="0"/>
+        </a:xfrm>
+      </p:grpSpPr>
+      <p:sp>
+        <p:nvSpPr>
+          <p:cNvPr id="233" name="Shape 233"/>
+          <p:cNvSpPr/>
+          <p:nvPr/>
+        </p:nvSpPr>
+        <p:spPr>
+          <a:xfrm>
+            <a:off x="223256" y="5644410"/>
+            <a:ext cx="12558288" cy="3899587"/>
+          </a:xfrm>
+          <a:prstGeom prst="rect">
+            <a:avLst/>
+          </a:prstGeom>
+          <a:ln w="25400">
+            <a:solidFill>
+              <a:srgbClr val="FFFFFF"/>
+            </a:solidFill>
+            <a:miter lim="400000"/>
+          </a:ln>
+        </p:spPr>
+        <p:txBody>
+          <a:bodyPr lIns="50800" tIns="50800" rIns="50800" bIns="50800" anchor="ctr"/>
+          <a:lstStyle/>
+          <a:p>
+            <a:pPr>
+              <a:defRPr sz="2400"/>
+            </a:pPr>
+          </a:p>
+        </p:txBody>
+      </p:sp>
+      <p:pic>
+        <p:nvPicPr>
+          <p:cNvPr id="234" name="Screen Shot 2016-05-24 at 22.57.32.png"/>
+          <p:cNvPicPr>
+            <a:picLocks noChangeAspect="1"/>
+          </p:cNvPicPr>
+          <p:nvPr/>
+        </p:nvPicPr>
+        <p:blipFill>
+          <a:blip r:embed="rId2">
+            <a:extLst/>
+          </a:blip>
+          <a:stretch>
+            <a:fillRect/>
+          </a:stretch>
+        </p:blipFill>
+        <p:spPr>
+          <a:xfrm>
+            <a:off x="16503" y="-1"/>
+            <a:ext cx="12971794" cy="9753601"/>
+          </a:xfrm>
+          <a:prstGeom prst="rect">
+            <a:avLst/>
+          </a:prstGeom>
+          <a:ln w="12700">
+            <a:miter lim="400000"/>
+          </a:ln>
+        </p:spPr>
+      </p:pic>
+    </p:spTree>
+  </p:cSld>
+  <p:clrMapOvr>
+    <a:masterClrMapping/>
+  </p:clrMapOvr>
+  <p:transition xmlns:p14="http://schemas.microsoft.com/office/powerpoint/2010/main" spd="med" advClick="1" p14:dur="1000"/>
+  <p:timing>
+    <p:tnLst>
+      <p:par>
+        <p:cTn id="1" nodeType="tmRoot" restart="never" dur="indefinite" fill="hold">
+          <p:childTnLst>
+            <p:seq concurrent="1" prevAc="none" nextAc="seek">
+              <p:cTn id="2" nodeType="mainSeq" dur="indefinite" fill="hold">
+                <p:childTnLst>
+                  <p:par>
+                    <p:cTn id="3" fill="hold">
+                      <p:stCondLst>
+                        <p:cond delay="indefinite"/>
+                      </p:stCondLst>
+                      <p:childTnLst>
+                        <p:par>
+                          <p:cTn id="4" fill="hold">
+                            <p:stCondLst>
+                              <p:cond delay="0"/>
+                            </p:stCondLst>
+                            <p:childTnLst>
+                              <p:par>
+                                <p:cTn id="5" presetClass="entr" nodeType="clickEffect" presetID="9" grpId="1" fill="hold">
+                                  <p:stCondLst>
+                                    <p:cond delay="0"/>
+                                  </p:stCondLst>
+                                  <p:iterate type="el" backwards="0">
+                                    <p:tmAbs val="0"/>
+                                  </p:iterate>
+                                  <p:childTnLst>
+                                    <p:set>
+                                      <p:cBhvr>
+                                        <p:cTn id="6" fill="hold"/>
+                                        <p:tgtEl>
+                                          <p:spTgt spid="234"/>
+                                        </p:tgtEl>
+                                        <p:attrNameLst>
+                                          <p:attrName>style.visibility</p:attrName>
+                                        </p:attrNameLst>
+                                      </p:cBhvr>
+                                      <p:to>
+                                        <p:strVal val="visible"/>
+                                      </p:to>
+                                    </p:set>
+                                    <p:animEffect filter="dissolve" transition="in">
+                                      <p:cBhvr>
+                                        <p:cTn id="7" dur="7000"/>
+                                        <p:tgtEl>
+                                          <p:spTgt spid="234"/>
+                                        </p:tgtEl>
+                                      </p:cBhvr>
+                                    </p:animEffect>
+                                  </p:childTnLst>
+                                </p:cTn>
+                              </p:par>
+                            </p:childTnLst>
+                          </p:cTn>
+                        </p:par>
+                      </p:childTnLst>
+                    </p:cTn>
+                  </p:par>
+                  <p:par>
+                    <p:cTn id="8" fill="hold">
+                      <p:stCondLst>
+                        <p:cond delay="indefinite"/>
+                      </p:stCondLst>
+                      <p:childTnLst>
+                        <p:par>
+                          <p:cTn id="9" fill="hold">
+                            <p:stCondLst>
+                              <p:cond delay="0"/>
+                            </p:stCondLst>
+                            <p:childTnLst>
+                              <p:par>
+                                <p:cTn id="10" presetClass="entr" nodeType="clickEffect" presetSubtype="4" presetID="22" grpId="2" fill="hold">
+                                  <p:stCondLst>
+                                    <p:cond delay="0"/>
+                                  </p:stCondLst>
+                                  <p:iterate type="el" backwards="0">
+                                    <p:tmAbs val="0"/>
+                                  </p:iterate>
+                                  <p:childTnLst>
+                                    <p:set>
+                                      <p:cBhvr>
+                                        <p:cTn id="11" fill="hold"/>
+                                        <p:tgtEl>
+                                          <p:spTgt spid="233"/>
+                                        </p:tgtEl>
+                                        <p:attrNameLst>
+                                          <p:attrName>style.visibility</p:attrName>
+                                        </p:attrNameLst>
+                                      </p:cBhvr>
+                                      <p:to>
+                                        <p:strVal val="visible"/>
+                                      </p:to>
+                                    </p:set>
+                                    <p:animEffect filter="wipe(down)" transition="in">
+                                      <p:cBhvr>
+                                        <p:cTn id="12" dur="24000"/>
+                                        <p:tgtEl>
+                                          <p:spTgt spid="233"/>
+                                        </p:tgtEl>
+                                      </p:cBhvr>
+                                    </p:animEffect>
+                                  </p:childTnLst>
+                                </p:cTn>
+                              </p:par>
+                            </p:childTnLst>
+                          </p:cTn>
+                        </p:par>
+                      </p:childTnLst>
+                    </p:cTn>
+                  </p:par>
+                </p:childTnLst>
+              </p:cTn>
+              <p:prevCondLst>
+                <p:cond evt="onPrev">
+                  <p:tgtEl>
+                    <p:sldTgt/>
+                  </p:tgtEl>
+                </p:cond>
+              </p:prevCondLst>
+              <p:nextCondLst>
+                <p:cond evt="onNext">
+                  <p:tgtEl>
+                    <p:sldTgt/>
+                  </p:tgtEl>
+                </p:cond>
+              </p:nextCondLst>
+            </p:seq>
+          </p:childTnLst>
+        </p:cTn>
+      </p:par>
+    </p:tnLst>
+    <p:bldLst>
+      <p:bldP build="whole" bldLvl="1" animBg="1" rev="0" advAuto="0" spid="234" grpId="1"/>
+      <p:bldP build="whole" bldLvl="1" animBg="1" rev="0" advAuto="0" spid="233" grpId="2"/>
+    </p:bldLst>
+  </p:timing>
 </p:sld>
 </file>
 
@@ -5325,7 +8112,7 @@
         </p:nvSpPr>
         <p:spPr>
           <a:xfrm>
-            <a:off x="-3322003" y="1094432"/>
+            <a:off x="952499" y="1094432"/>
             <a:ext cx="11099801" cy="859136"/>
           </a:xfrm>
           <a:prstGeom prst="rect">
@@ -5360,7 +8147,7 @@
         </p:nvSpPr>
         <p:spPr>
           <a:xfrm>
-            <a:off x="713418" y="2355620"/>
+            <a:off x="2414415" y="2355620"/>
             <a:ext cx="11577965" cy="3924301"/>
           </a:xfrm>
           <a:prstGeom prst="rect">
@@ -5601,7 +8388,7 @@
         </p:nvSpPr>
         <p:spPr>
           <a:xfrm>
-            <a:off x="-4226965" y="1094432"/>
+            <a:off x="952500" y="1094432"/>
             <a:ext cx="11099801" cy="859136"/>
           </a:xfrm>
           <a:prstGeom prst="rect">
@@ -5636,8 +8423,8 @@
         </p:nvSpPr>
         <p:spPr>
           <a:xfrm>
-            <a:off x="713418" y="2408076"/>
-            <a:ext cx="11577965" cy="1739901"/>
+            <a:off x="2203983" y="2373004"/>
+            <a:ext cx="11577964" cy="1739901"/>
           </a:xfrm>
           <a:prstGeom prst="rect">
             <a:avLst/>
@@ -5727,7 +8514,7 @@
         </p:nvSpPr>
         <p:spPr>
           <a:xfrm>
-            <a:off x="720844" y="1094432"/>
+            <a:off x="5683548" y="1094432"/>
             <a:ext cx="2345088" cy="859136"/>
           </a:xfrm>
           <a:prstGeom prst="rect">
@@ -5762,7 +8549,7 @@
         </p:nvSpPr>
         <p:spPr>
           <a:xfrm>
-            <a:off x="713418" y="2089544"/>
+            <a:off x="3238610" y="2194760"/>
             <a:ext cx="11577965" cy="3378201"/>
           </a:xfrm>
           <a:prstGeom prst="rect">
@@ -5873,7 +8660,7 @@
         </p:nvSpPr>
         <p:spPr>
           <a:xfrm>
-            <a:off x="720844" y="1094432"/>
+            <a:off x="5329856" y="1094432"/>
             <a:ext cx="2345088" cy="859136"/>
           </a:xfrm>
           <a:prstGeom prst="rect">
@@ -5908,7 +8695,7 @@
         </p:nvSpPr>
         <p:spPr>
           <a:xfrm>
-            <a:off x="713418" y="2118840"/>
+            <a:off x="1449932" y="2083767"/>
             <a:ext cx="11577965" cy="2832101"/>
           </a:xfrm>
           <a:prstGeom prst="rect">
@@ -6021,7 +8808,7 @@
         </p:nvSpPr>
         <p:spPr>
           <a:xfrm>
-            <a:off x="720844" y="1094432"/>
+            <a:off x="3693937" y="1094432"/>
             <a:ext cx="5616927" cy="859136"/>
           </a:xfrm>
           <a:prstGeom prst="rect">
@@ -6056,7 +8843,7 @@
         </p:nvSpPr>
         <p:spPr>
           <a:xfrm>
-            <a:off x="713418" y="2036661"/>
+            <a:off x="1221963" y="2089270"/>
             <a:ext cx="11577965" cy="6654815"/>
           </a:xfrm>
           <a:prstGeom prst="rect">
@@ -6248,7 +9035,7 @@
         </p:nvSpPr>
         <p:spPr>
           <a:xfrm>
-            <a:off x="720844" y="1094432"/>
+            <a:off x="3917281" y="1094432"/>
             <a:ext cx="5170237" cy="859136"/>
           </a:xfrm>
           <a:prstGeom prst="rect">
@@ -6283,7 +9070,7 @@
         </p:nvSpPr>
         <p:spPr>
           <a:xfrm>
-            <a:off x="713418" y="2089544"/>
+            <a:off x="1976014" y="2089544"/>
             <a:ext cx="11577965" cy="3378201"/>
           </a:xfrm>
           <a:prstGeom prst="rect">
@@ -6670,7 +9457,7 @@
         </p:nvSpPr>
         <p:spPr>
           <a:xfrm>
-            <a:off x="720844" y="1094432"/>
+            <a:off x="4717942" y="1094432"/>
             <a:ext cx="3739010" cy="859136"/>
           </a:xfrm>
           <a:prstGeom prst="rect">
@@ -6705,7 +9492,7 @@
         </p:nvSpPr>
         <p:spPr>
           <a:xfrm>
-            <a:off x="798465" y="1874257"/>
+            <a:off x="2078597" y="1891793"/>
             <a:ext cx="11577964" cy="3924301"/>
           </a:xfrm>
           <a:prstGeom prst="rect">
